--- a/スライド/20170720_中間発表.pptx
+++ b/スライド/20170720_中間発表.pptx
@@ -5,7 +5,7 @@
     <p:sldMasterId id="2147483648" r:id="rId1"/>
   </p:sldMasterIdLst>
   <p:notesMasterIdLst>
-    <p:notesMasterId r:id="rId9"/>
+    <p:notesMasterId r:id="rId10"/>
   </p:notesMasterIdLst>
   <p:sldIdLst>
     <p:sldId id="256" r:id="rId2"/>
@@ -15,6 +15,7 @@
     <p:sldId id="268" r:id="rId6"/>
     <p:sldId id="265" r:id="rId7"/>
     <p:sldId id="266" r:id="rId8"/>
+    <p:sldId id="270" r:id="rId9"/>
   </p:sldIdLst>
   <p:sldSz cx="12192000" cy="6858000"/>
   <p:notesSz cx="6858000" cy="9144000"/>
@@ -812,211 +813,6 @@
           <a:p>
             <a:endParaRPr kumimoji="1" lang="en-US" altLang="ja-JP" dirty="0" smtClean="0"/>
           </a:p>
-          <a:p>
-            <a:r>
-              <a:rPr kumimoji="1" lang="ja-JP" altLang="en-US" dirty="0" smtClean="0"/>
-              <a:t>それらのコンテンツには多くの問題点が存在します</a:t>
-            </a:r>
-            <a:endParaRPr kumimoji="1" lang="en-US" altLang="ja-JP" dirty="0" smtClean="0"/>
-          </a:p>
-          <a:p>
-            <a:endParaRPr kumimoji="1" lang="en-US" altLang="ja-JP" dirty="0" smtClean="0"/>
-          </a:p>
-          <a:p>
-            <a:r>
-              <a:rPr kumimoji="1" lang="en-US" altLang="ja-JP" dirty="0" smtClean="0"/>
-              <a:t>VR</a:t>
-            </a:r>
-            <a:r>
-              <a:rPr kumimoji="1" lang="ja-JP" altLang="en-US" dirty="0" smtClean="0"/>
-              <a:t>酔い</a:t>
-            </a:r>
-            <a:endParaRPr kumimoji="1" lang="en-US" altLang="ja-JP" dirty="0" smtClean="0"/>
-          </a:p>
-          <a:p>
-            <a:r>
-              <a:rPr kumimoji="1" lang="ja-JP" altLang="en-US" dirty="0" smtClean="0"/>
-              <a:t>実際の体の動きと</a:t>
-            </a:r>
-            <a:r>
-              <a:rPr kumimoji="1" lang="en-US" altLang="ja-JP" dirty="0" smtClean="0"/>
-              <a:t>VR</a:t>
-            </a:r>
-            <a:r>
-              <a:rPr kumimoji="1" lang="ja-JP" altLang="en-US" dirty="0" smtClean="0"/>
-              <a:t>空間内の動きの差異から生じる</a:t>
-            </a:r>
-            <a:r>
-              <a:rPr kumimoji="1" lang="en-US" altLang="ja-JP" dirty="0" smtClean="0"/>
-              <a:t>(</a:t>
-            </a:r>
-            <a:r>
-              <a:rPr kumimoji="1" lang="ja-JP" altLang="en-US" dirty="0" smtClean="0"/>
-              <a:t>現実は座ってるのに</a:t>
-            </a:r>
-            <a:r>
-              <a:rPr kumimoji="1" lang="en-US" altLang="ja-JP" dirty="0" smtClean="0"/>
-              <a:t>VR</a:t>
-            </a:r>
-            <a:r>
-              <a:rPr kumimoji="1" lang="ja-JP" altLang="en-US" dirty="0" smtClean="0"/>
-              <a:t>は走ってる等</a:t>
-            </a:r>
-            <a:r>
-              <a:rPr kumimoji="1" lang="en-US" altLang="ja-JP" dirty="0" smtClean="0"/>
-              <a:t>)</a:t>
-            </a:r>
-          </a:p>
-          <a:p>
-            <a:r>
-              <a:rPr kumimoji="1" lang="ja-JP" altLang="en-US" dirty="0" smtClean="0"/>
-              <a:t>低い</a:t>
-            </a:r>
-            <a:r>
-              <a:rPr kumimoji="1" lang="en-US" altLang="ja-JP" dirty="0" smtClean="0"/>
-              <a:t>FPS</a:t>
-            </a:r>
-            <a:r>
-              <a:rPr kumimoji="1" lang="ja-JP" altLang="en-US" dirty="0" smtClean="0"/>
-              <a:t>でも発生</a:t>
-            </a:r>
-            <a:endParaRPr kumimoji="1" lang="en-US" altLang="ja-JP" dirty="0" smtClean="0"/>
-          </a:p>
-          <a:p>
-            <a:endParaRPr kumimoji="1" lang="en-US" altLang="ja-JP" dirty="0" smtClean="0"/>
-          </a:p>
-          <a:p>
-            <a:r>
-              <a:rPr kumimoji="1" lang="ja-JP" altLang="en-US" dirty="0" smtClean="0"/>
-              <a:t>移動</a:t>
-            </a:r>
-            <a:endParaRPr kumimoji="1" lang="en-US" altLang="ja-JP" dirty="0" smtClean="0"/>
-          </a:p>
-          <a:p>
-            <a:r>
-              <a:rPr kumimoji="1" lang="en-US" altLang="ja-JP" dirty="0" smtClean="0"/>
-              <a:t>VR</a:t>
-            </a:r>
-            <a:r>
-              <a:rPr kumimoji="1" lang="ja-JP" altLang="en-US" dirty="0" smtClean="0"/>
-              <a:t>酔いをちょっと話が被るが、</a:t>
-            </a:r>
-            <a:r>
-              <a:rPr kumimoji="1" lang="en-US" altLang="ja-JP" dirty="0" smtClean="0"/>
-              <a:t>VR</a:t>
-            </a:r>
-            <a:r>
-              <a:rPr kumimoji="1" lang="ja-JP" altLang="en-US" dirty="0" smtClean="0"/>
-              <a:t>空間で移動すると酔う可能性が上がる</a:t>
-            </a:r>
-            <a:endParaRPr kumimoji="1" lang="en-US" altLang="ja-JP" dirty="0" smtClean="0"/>
-          </a:p>
-          <a:p>
-            <a:endParaRPr kumimoji="1" lang="en-US" altLang="ja-JP" dirty="0" smtClean="0"/>
-          </a:p>
-          <a:p>
-            <a:r>
-              <a:rPr kumimoji="1" lang="en-US" altLang="ja-JP" dirty="0" smtClean="0"/>
-              <a:t>---</a:t>
-            </a:r>
-            <a:r>
-              <a:rPr kumimoji="1" lang="ja-JP" altLang="en-US" dirty="0" smtClean="0"/>
-              <a:t>軽く触れる程度で</a:t>
-            </a:r>
-            <a:r>
-              <a:rPr kumimoji="1" lang="en-US" altLang="ja-JP" dirty="0" smtClean="0"/>
-              <a:t>---</a:t>
-            </a:r>
-          </a:p>
-          <a:p>
-            <a:r>
-              <a:rPr kumimoji="1" lang="ja-JP" altLang="en-US" dirty="0" smtClean="0"/>
-              <a:t>スペース</a:t>
-            </a:r>
-            <a:endParaRPr kumimoji="1" lang="en-US" altLang="ja-JP" dirty="0" smtClean="0"/>
-          </a:p>
-          <a:p>
-            <a:r>
-              <a:rPr kumimoji="1" lang="en-US" altLang="ja-JP" dirty="0" smtClean="0"/>
-              <a:t>VR</a:t>
-            </a:r>
-            <a:r>
-              <a:rPr kumimoji="1" lang="ja-JP" altLang="en-US" dirty="0" smtClean="0"/>
-              <a:t>コンテンツをプレイ・開発する上である程度の広い何もない空間が必要になる</a:t>
-            </a:r>
-            <a:endParaRPr kumimoji="1" lang="en-US" altLang="ja-JP" dirty="0" smtClean="0"/>
-          </a:p>
-          <a:p>
-            <a:endParaRPr kumimoji="1" lang="en-US" altLang="ja-JP" dirty="0" smtClean="0"/>
-          </a:p>
-          <a:p>
-            <a:r>
-              <a:rPr kumimoji="1" lang="en-US" altLang="ja-JP" dirty="0" smtClean="0"/>
-              <a:t>PC</a:t>
-            </a:r>
-            <a:r>
-              <a:rPr kumimoji="1" lang="ja-JP" altLang="en-US" dirty="0" smtClean="0"/>
-              <a:t>スペック</a:t>
-            </a:r>
-            <a:endParaRPr kumimoji="1" lang="en-US" altLang="ja-JP" dirty="0" smtClean="0"/>
-          </a:p>
-          <a:p>
-            <a:r>
-              <a:rPr kumimoji="1" lang="ja-JP" altLang="en-US" dirty="0" smtClean="0"/>
-              <a:t>低ス</a:t>
-            </a:r>
-            <a:r>
-              <a:rPr kumimoji="1" lang="ja-JP" altLang="en-US" dirty="0" err="1" smtClean="0"/>
-              <a:t>ぺ</a:t>
-            </a:r>
-            <a:r>
-              <a:rPr kumimoji="1" lang="ja-JP" altLang="en-US" dirty="0" smtClean="0"/>
-              <a:t>だと動かない</a:t>
-            </a:r>
-            <a:endParaRPr kumimoji="1" lang="en-US" altLang="ja-JP" dirty="0" smtClean="0"/>
-          </a:p>
-          <a:p>
-            <a:r>
-              <a:rPr kumimoji="1" lang="ja-JP" altLang="en-US" dirty="0" smtClean="0"/>
-              <a:t>推奨はコア</a:t>
-            </a:r>
-            <a:r>
-              <a:rPr kumimoji="1" lang="en-US" altLang="ja-JP" dirty="0" smtClean="0"/>
-              <a:t>i7</a:t>
-            </a:r>
-            <a:r>
-              <a:rPr kumimoji="1" lang="ja-JP" altLang="en-US" dirty="0" smtClean="0"/>
-              <a:t>・</a:t>
-            </a:r>
-            <a:r>
-              <a:rPr kumimoji="1" lang="en-US" altLang="ja-JP" dirty="0" smtClean="0"/>
-              <a:t>GTX1060</a:t>
-            </a:r>
-          </a:p>
-          <a:p>
-            <a:r>
-              <a:rPr kumimoji="1" lang="ja-JP" altLang="en-US" dirty="0" smtClean="0"/>
-              <a:t>かといって品質を避けると酔いの問題が</a:t>
-            </a:r>
-            <a:endParaRPr kumimoji="1" lang="en-US" altLang="ja-JP" dirty="0" smtClean="0"/>
-          </a:p>
-          <a:p>
-            <a:r>
-              <a:rPr kumimoji="1" lang="en-US" altLang="ja-JP" dirty="0" smtClean="0"/>
-              <a:t>---</a:t>
-            </a:r>
-            <a:r>
-              <a:rPr kumimoji="1" lang="ja-JP" altLang="en-US" dirty="0" smtClean="0"/>
-              <a:t>ここまで</a:t>
-            </a:r>
-            <a:r>
-              <a:rPr kumimoji="1" lang="en-US" altLang="ja-JP" dirty="0" smtClean="0"/>
-              <a:t>---</a:t>
-            </a:r>
-          </a:p>
-          <a:p>
-            <a:endParaRPr kumimoji="1" lang="ja-JP" altLang="en-US" dirty="0"/>
-          </a:p>
         </p:txBody>
       </p:sp>
       <p:sp>
@@ -1168,38 +964,6 @@
           <a:p>
             <a:endParaRPr kumimoji="1" lang="en-US" altLang="ja-JP" dirty="0" smtClean="0"/>
           </a:p>
-          <a:p>
-            <a:r>
-              <a:rPr kumimoji="1" lang="ja-JP" altLang="en-US" dirty="0" smtClean="0"/>
-              <a:t>先程の</a:t>
-            </a:r>
-            <a:r>
-              <a:rPr kumimoji="1" lang="en-US" altLang="ja-JP" dirty="0" smtClean="0"/>
-              <a:t>VR</a:t>
-            </a:r>
-            <a:r>
-              <a:rPr kumimoji="1" lang="ja-JP" altLang="en-US" dirty="0" smtClean="0"/>
-              <a:t>空間内での移動の問題</a:t>
-            </a:r>
-            <a:endParaRPr kumimoji="1" lang="en-US" altLang="ja-JP" dirty="0" smtClean="0"/>
-          </a:p>
-          <a:p>
-            <a:r>
-              <a:rPr kumimoji="1" lang="ja-JP" altLang="en-US" dirty="0" smtClean="0"/>
-              <a:t>操作に頭を振りすぎる</a:t>
-            </a:r>
-            <a:endParaRPr kumimoji="1" lang="en-US" altLang="ja-JP" dirty="0" smtClean="0"/>
-          </a:p>
-          <a:p>
-            <a:r>
-              <a:rPr kumimoji="1" lang="ja-JP" altLang="en-US" dirty="0" smtClean="0"/>
-              <a:t>オンラインショッピング最大の利点「豊富な在庫」から検索・購入ができない</a:t>
-            </a:r>
-            <a:endParaRPr kumimoji="1" lang="en-US" altLang="ja-JP" dirty="0" smtClean="0"/>
-          </a:p>
-          <a:p>
-            <a:endParaRPr kumimoji="1" lang="ja-JP" altLang="en-US" dirty="0"/>
-          </a:p>
         </p:txBody>
       </p:sp>
       <p:sp>
@@ -1284,25 +1048,28 @@
           <a:p>
             <a:r>
               <a:rPr kumimoji="1" lang="ja-JP" altLang="en-US" dirty="0" smtClean="0"/>
-              <a:t>そこで我々の研究テーマを「</a:t>
-            </a:r>
+              <a:t>それらのコンテンツには多くの問題点が存在します</a:t>
+            </a:r>
+            <a:endParaRPr kumimoji="1" lang="en-US" altLang="ja-JP" dirty="0" smtClean="0"/>
+          </a:p>
+          <a:p>
+            <a:endParaRPr kumimoji="1" lang="en-US" altLang="ja-JP" dirty="0" smtClean="0"/>
+          </a:p>
+          <a:p>
             <a:r>
               <a:rPr kumimoji="1" lang="en-US" altLang="ja-JP" dirty="0" smtClean="0"/>
               <a:t>VR</a:t>
             </a:r>
             <a:r>
               <a:rPr kumimoji="1" lang="ja-JP" altLang="en-US" dirty="0" smtClean="0"/>
-              <a:t>を導入したオンラインショッピングに関する研究」</a:t>
+              <a:t>酔い</a:t>
             </a:r>
             <a:endParaRPr kumimoji="1" lang="en-US" altLang="ja-JP" dirty="0" smtClean="0"/>
           </a:p>
           <a:p>
-            <a:endParaRPr kumimoji="1" lang="en-US" altLang="ja-JP" dirty="0" smtClean="0"/>
-          </a:p>
-          <a:p>
-            <a:r>
-              <a:rPr kumimoji="1" lang="ja-JP" altLang="en-US" dirty="0" smtClean="0"/>
-              <a:t>既存の</a:t>
+            <a:r>
+              <a:rPr kumimoji="1" lang="ja-JP" altLang="en-US" dirty="0" smtClean="0"/>
+              <a:t>実際の体の動きと</a:t>
             </a:r>
             <a:r>
               <a:rPr kumimoji="1" lang="en-US" altLang="ja-JP" dirty="0" smtClean="0"/>
@@ -1310,39 +1077,187 @@
             </a:r>
             <a:r>
               <a:rPr kumimoji="1" lang="ja-JP" altLang="en-US" dirty="0" smtClean="0"/>
-              <a:t>を使ったショッピングサイトを調査</a:t>
-            </a:r>
-            <a:endParaRPr kumimoji="1" lang="en-US" altLang="ja-JP" dirty="0" smtClean="0"/>
-          </a:p>
-          <a:p>
-            <a:endParaRPr kumimoji="1" lang="en-US" altLang="ja-JP" dirty="0" smtClean="0"/>
-          </a:p>
-          <a:p>
-            <a:r>
-              <a:rPr kumimoji="1" lang="ja-JP" altLang="en-US" dirty="0" smtClean="0"/>
-              <a:t>実際に複数作成してみて問題点や将来性などを調べる</a:t>
-            </a:r>
-            <a:endParaRPr kumimoji="1" lang="en-US" altLang="ja-JP" dirty="0" smtClean="0"/>
-          </a:p>
-          <a:p>
-            <a:endParaRPr kumimoji="1" lang="en-US" altLang="ja-JP" dirty="0" smtClean="0"/>
-          </a:p>
-          <a:p>
-            <a:r>
-              <a:rPr kumimoji="1" lang="ja-JP" altLang="en-US" dirty="0" smtClean="0"/>
-              <a:t>見つかった問題点に対する解決策を探す</a:t>
-            </a:r>
-            <a:endParaRPr kumimoji="1" lang="en-US" altLang="ja-JP" dirty="0" smtClean="0"/>
-          </a:p>
-          <a:p>
+              <a:t>空間内の動きの差異から生じる</a:t>
+            </a:r>
+            <a:r>
+              <a:rPr kumimoji="1" lang="en-US" altLang="ja-JP" dirty="0" smtClean="0"/>
+              <a:t>(</a:t>
+            </a:r>
+            <a:r>
+              <a:rPr kumimoji="1" lang="ja-JP" altLang="en-US" dirty="0" smtClean="0"/>
+              <a:t>現実は座ってるのに</a:t>
+            </a:r>
             <a:r>
               <a:rPr kumimoji="1" lang="en-US" altLang="ja-JP" dirty="0" smtClean="0"/>
               <a:t>VR</a:t>
             </a:r>
             <a:r>
               <a:rPr kumimoji="1" lang="ja-JP" altLang="en-US" dirty="0" smtClean="0"/>
-              <a:t>パルコの例から、先程挙げた問題に加え「操作性」という問題も加わる</a:t>
-            </a:r>
+              <a:t>は走ってる等</a:t>
+            </a:r>
+            <a:r>
+              <a:rPr kumimoji="1" lang="en-US" altLang="ja-JP" dirty="0" smtClean="0"/>
+              <a:t>)</a:t>
+            </a:r>
+          </a:p>
+          <a:p>
+            <a:r>
+              <a:rPr kumimoji="1" lang="ja-JP" altLang="en-US" dirty="0" smtClean="0"/>
+              <a:t>低い</a:t>
+            </a:r>
+            <a:r>
+              <a:rPr kumimoji="1" lang="en-US" altLang="ja-JP" dirty="0" smtClean="0"/>
+              <a:t>FPS</a:t>
+            </a:r>
+            <a:r>
+              <a:rPr kumimoji="1" lang="ja-JP" altLang="en-US" dirty="0" smtClean="0"/>
+              <a:t>でも発生</a:t>
+            </a:r>
+            <a:endParaRPr kumimoji="1" lang="en-US" altLang="ja-JP" dirty="0" smtClean="0"/>
+          </a:p>
+          <a:p>
+            <a:r>
+              <a:rPr kumimoji="1" lang="ja-JP" altLang="en-US" dirty="0" smtClean="0"/>
+              <a:t>女性の方が酔いやすい？</a:t>
+            </a:r>
+            <a:endParaRPr kumimoji="1" lang="en-US" altLang="ja-JP" dirty="0" smtClean="0"/>
+          </a:p>
+          <a:p>
+            <a:endParaRPr kumimoji="1" lang="en-US" altLang="ja-JP" dirty="0" smtClean="0"/>
+          </a:p>
+          <a:p>
+            <a:r>
+              <a:rPr kumimoji="1" lang="ja-JP" altLang="en-US" dirty="0" smtClean="0"/>
+              <a:t>移動</a:t>
+            </a:r>
+            <a:endParaRPr kumimoji="1" lang="en-US" altLang="ja-JP" dirty="0" smtClean="0"/>
+          </a:p>
+          <a:p>
+            <a:r>
+              <a:rPr kumimoji="1" lang="en-US" altLang="ja-JP" dirty="0" smtClean="0"/>
+              <a:t>VR</a:t>
+            </a:r>
+            <a:r>
+              <a:rPr kumimoji="1" lang="ja-JP" altLang="en-US" dirty="0" smtClean="0"/>
+              <a:t>酔いをちょっと話が被るが、</a:t>
+            </a:r>
+            <a:r>
+              <a:rPr kumimoji="1" lang="en-US" altLang="ja-JP" dirty="0" smtClean="0"/>
+              <a:t>VR</a:t>
+            </a:r>
+            <a:r>
+              <a:rPr kumimoji="1" lang="ja-JP" altLang="en-US" dirty="0" smtClean="0"/>
+              <a:t>空間で移動すると酔う可能性が上がる</a:t>
+            </a:r>
+            <a:endParaRPr kumimoji="1" lang="en-US" altLang="ja-JP" dirty="0" smtClean="0"/>
+          </a:p>
+          <a:p>
+            <a:endParaRPr kumimoji="1" lang="en-US" altLang="ja-JP" dirty="0" smtClean="0"/>
+          </a:p>
+          <a:p>
+            <a:r>
+              <a:rPr kumimoji="1" lang="en-US" altLang="ja-JP" dirty="0" smtClean="0"/>
+              <a:t>---</a:t>
+            </a:r>
+            <a:r>
+              <a:rPr kumimoji="1" lang="ja-JP" altLang="en-US" dirty="0" smtClean="0"/>
+              <a:t>軽く触れる程度で</a:t>
+            </a:r>
+            <a:r>
+              <a:rPr kumimoji="1" lang="en-US" altLang="ja-JP" dirty="0" smtClean="0"/>
+              <a:t>---</a:t>
+            </a:r>
+          </a:p>
+          <a:p>
+            <a:r>
+              <a:rPr kumimoji="1" lang="ja-JP" altLang="en-US" dirty="0" smtClean="0"/>
+              <a:t>スペース</a:t>
+            </a:r>
+            <a:endParaRPr kumimoji="1" lang="en-US" altLang="ja-JP" dirty="0" smtClean="0"/>
+          </a:p>
+          <a:p>
+            <a:r>
+              <a:rPr kumimoji="1" lang="en-US" altLang="ja-JP" dirty="0" smtClean="0"/>
+              <a:t>VR</a:t>
+            </a:r>
+            <a:r>
+              <a:rPr kumimoji="1" lang="ja-JP" altLang="en-US" dirty="0" smtClean="0"/>
+              <a:t>コンテンツをプレイ・開発する上である程度の広い何もない空間が必要になる</a:t>
+            </a:r>
+            <a:endParaRPr kumimoji="1" lang="en-US" altLang="ja-JP" dirty="0" smtClean="0"/>
+          </a:p>
+          <a:p>
+            <a:endParaRPr kumimoji="1" lang="en-US" altLang="ja-JP" dirty="0" smtClean="0"/>
+          </a:p>
+          <a:p>
+            <a:r>
+              <a:rPr kumimoji="1" lang="en-US" altLang="ja-JP" dirty="0" smtClean="0"/>
+              <a:t>PC</a:t>
+            </a:r>
+            <a:r>
+              <a:rPr kumimoji="1" lang="ja-JP" altLang="en-US" dirty="0" smtClean="0"/>
+              <a:t>スペック</a:t>
+            </a:r>
+            <a:endParaRPr kumimoji="1" lang="en-US" altLang="ja-JP" dirty="0" smtClean="0"/>
+          </a:p>
+          <a:p>
+            <a:r>
+              <a:rPr kumimoji="1" lang="ja-JP" altLang="en-US" dirty="0" smtClean="0"/>
+              <a:t>低ス</a:t>
+            </a:r>
+            <a:r>
+              <a:rPr kumimoji="1" lang="ja-JP" altLang="en-US" dirty="0" err="1" smtClean="0"/>
+              <a:t>ぺ</a:t>
+            </a:r>
+            <a:r>
+              <a:rPr kumimoji="1" lang="ja-JP" altLang="en-US" dirty="0" smtClean="0"/>
+              <a:t>だと動かない</a:t>
+            </a:r>
+            <a:endParaRPr kumimoji="1" lang="en-US" altLang="ja-JP" dirty="0" smtClean="0"/>
+          </a:p>
+          <a:p>
+            <a:r>
+              <a:rPr kumimoji="1" lang="ja-JP" altLang="en-US" dirty="0" smtClean="0"/>
+              <a:t>推奨はコア</a:t>
+            </a:r>
+            <a:r>
+              <a:rPr kumimoji="1" lang="en-US" altLang="ja-JP" dirty="0" smtClean="0"/>
+              <a:t>i7</a:t>
+            </a:r>
+            <a:r>
+              <a:rPr kumimoji="1" lang="ja-JP" altLang="en-US" dirty="0" smtClean="0"/>
+              <a:t>・</a:t>
+            </a:r>
+            <a:r>
+              <a:rPr kumimoji="1" lang="en-US" altLang="ja-JP" dirty="0" smtClean="0"/>
+              <a:t>GTX1060</a:t>
+            </a:r>
+          </a:p>
+          <a:p>
+            <a:r>
+              <a:rPr kumimoji="1" lang="ja-JP" altLang="en-US" dirty="0" smtClean="0"/>
+              <a:t>かといって品質を下げると酔いの問題が</a:t>
+            </a:r>
+            <a:endParaRPr kumimoji="1" lang="en-US" altLang="ja-JP" dirty="0" smtClean="0"/>
+          </a:p>
+          <a:p>
+            <a:r>
+              <a:rPr kumimoji="1" lang="en-US" altLang="ja-JP" dirty="0" smtClean="0"/>
+              <a:t>---</a:t>
+            </a:r>
+            <a:r>
+              <a:rPr kumimoji="1" lang="ja-JP" altLang="en-US" dirty="0" smtClean="0"/>
+              <a:t>ここまで</a:t>
+            </a:r>
+            <a:r>
+              <a:rPr kumimoji="1" lang="en-US" altLang="ja-JP" dirty="0" smtClean="0"/>
+              <a:t>---</a:t>
+            </a:r>
+          </a:p>
+          <a:p>
+            <a:endParaRPr kumimoji="1" lang="ja-JP" altLang="en-US" dirty="0" smtClean="0"/>
+          </a:p>
+          <a:p>
             <a:endParaRPr kumimoji="1" lang="ja-JP" altLang="en-US" dirty="0"/>
           </a:p>
         </p:txBody>
@@ -1364,7 +1279,7 @@
           <a:p>
             <a:fld id="{A8E18179-35A5-492F-B847-985618F55178}" type="slidenum">
               <a:rPr kumimoji="1" lang="ja-JP" altLang="en-US" smtClean="0"/>
-              <a:t>6</a:t>
+              <a:t>5</a:t>
             </a:fld>
             <a:endParaRPr kumimoji="1" lang="ja-JP" altLang="en-US"/>
           </a:p>
@@ -1373,7 +1288,7 @@
     </p:spTree>
     <p:extLst>
       <p:ext uri="{BB962C8B-B14F-4D97-AF65-F5344CB8AC3E}">
-        <p14:creationId xmlns:p14="http://schemas.microsoft.com/office/powerpoint/2010/main" val="3576462387"/>
+        <p14:creationId xmlns:p14="http://schemas.microsoft.com/office/powerpoint/2010/main" val="594291554"/>
       </p:ext>
     </p:extLst>
   </p:cSld>
@@ -1429,7 +1344,11 @@
           <a:p>
             <a:r>
               <a:rPr kumimoji="1" lang="ja-JP" altLang="en-US" dirty="0" smtClean="0"/>
-              <a:t>ショッピングサイトを作成する際の開発環境です</a:t>
+              <a:t>実際</a:t>
+            </a:r>
+            <a:r>
+              <a:rPr kumimoji="1" lang="ja-JP" altLang="en-US" dirty="0" smtClean="0"/>
+              <a:t>に複数作成してみて問題点や将来性などを調べる</a:t>
             </a:r>
             <a:endParaRPr kumimoji="1" lang="en-US" altLang="ja-JP" dirty="0" smtClean="0"/>
           </a:p>
@@ -1439,7 +1358,7 @@
           <a:p>
             <a:r>
               <a:rPr kumimoji="1" lang="ja-JP" altLang="en-US" dirty="0" smtClean="0"/>
-              <a:t>先程の画像ではめてたのがオキュラスとタッチです</a:t>
+              <a:t>見つかった問題点に対する解決策を探す</a:t>
             </a:r>
             <a:endParaRPr kumimoji="1" lang="en-US" altLang="ja-JP" dirty="0" smtClean="0"/>
           </a:p>
@@ -1448,9 +1367,97 @@
           </a:p>
           <a:p>
             <a:r>
-              <a:rPr kumimoji="1" lang="ja-JP" altLang="en-US" dirty="0" smtClean="0"/>
-              <a:t>アンリアルも先程紹介しました</a:t>
-            </a:r>
+              <a:rPr kumimoji="1" lang="en-US" altLang="ja-JP" dirty="0" smtClean="0"/>
+              <a:t>VR</a:t>
+            </a:r>
+            <a:r>
+              <a:rPr kumimoji="1" lang="ja-JP" altLang="en-US" dirty="0" smtClean="0"/>
+              <a:t>パルコの例から、先程挙げた問題に加え「操作性」という問題も加わる</a:t>
+            </a:r>
+            <a:endParaRPr kumimoji="1" lang="ja-JP" altLang="en-US" dirty="0"/>
+          </a:p>
+        </p:txBody>
+      </p:sp>
+      <p:sp>
+        <p:nvSpPr>
+          <p:cNvPr id="4" name="スライド番号プレースホルダー 3"/>
+          <p:cNvSpPr>
+            <a:spLocks noGrp="1"/>
+          </p:cNvSpPr>
+          <p:nvPr>
+            <p:ph type="sldNum" sz="quarter" idx="10"/>
+          </p:nvPr>
+        </p:nvSpPr>
+        <p:spPr/>
+        <p:txBody>
+          <a:bodyPr/>
+          <a:lstStyle/>
+          <a:p>
+            <a:fld id="{A8E18179-35A5-492F-B847-985618F55178}" type="slidenum">
+              <a:rPr kumimoji="1" lang="ja-JP" altLang="en-US" smtClean="0"/>
+              <a:t>6</a:t>
+            </a:fld>
+            <a:endParaRPr kumimoji="1" lang="ja-JP" altLang="en-US"/>
+          </a:p>
+        </p:txBody>
+      </p:sp>
+    </p:spTree>
+    <p:extLst>
+      <p:ext uri="{BB962C8B-B14F-4D97-AF65-F5344CB8AC3E}">
+        <p14:creationId xmlns:p14="http://schemas.microsoft.com/office/powerpoint/2010/main" val="3576462387"/>
+      </p:ext>
+    </p:extLst>
+  </p:cSld>
+  <p:clrMapOvr>
+    <a:masterClrMapping/>
+  </p:clrMapOvr>
+</p:notes>
+</file>
+
+<file path=ppt/notesSlides/notesSlide6.xml><?xml version="1.0" encoding="utf-8"?>
+<p:notes xmlns:a="http://schemas.openxmlformats.org/drawingml/2006/main" xmlns:r="http://schemas.openxmlformats.org/officeDocument/2006/relationships" xmlns:p="http://schemas.openxmlformats.org/presentationml/2006/main">
+  <p:cSld>
+    <p:spTree>
+      <p:nvGrpSpPr>
+        <p:cNvPr id="1" name=""/>
+        <p:cNvGrpSpPr/>
+        <p:nvPr/>
+      </p:nvGrpSpPr>
+      <p:grpSpPr>
+        <a:xfrm>
+          <a:off x="0" y="0"/>
+          <a:ext cx="0" cy="0"/>
+          <a:chOff x="0" y="0"/>
+          <a:chExt cx="0" cy="0"/>
+        </a:xfrm>
+      </p:grpSpPr>
+      <p:sp>
+        <p:nvSpPr>
+          <p:cNvPr id="2" name="スライド イメージ プレースホルダー 1"/>
+          <p:cNvSpPr>
+            <a:spLocks noGrp="1" noRot="1" noChangeAspect="1"/>
+          </p:cNvSpPr>
+          <p:nvPr>
+            <p:ph type="sldImg"/>
+          </p:nvPr>
+        </p:nvSpPr>
+        <p:spPr/>
+      </p:sp>
+      <p:sp>
+        <p:nvSpPr>
+          <p:cNvPr id="3" name="ノート プレースホルダー 2"/>
+          <p:cNvSpPr>
+            <a:spLocks noGrp="1"/>
+          </p:cNvSpPr>
+          <p:nvPr>
+            <p:ph type="body" idx="1"/>
+          </p:nvPr>
+        </p:nvSpPr>
+        <p:spPr/>
+        <p:txBody>
+          <a:bodyPr/>
+          <a:lstStyle/>
+          <a:p>
             <a:endParaRPr kumimoji="1" lang="ja-JP" altLang="en-US" dirty="0"/>
           </a:p>
         </p:txBody>
@@ -1482,6 +1489,122 @@
     <p:extLst>
       <p:ext uri="{BB962C8B-B14F-4D97-AF65-F5344CB8AC3E}">
         <p14:creationId xmlns:p14="http://schemas.microsoft.com/office/powerpoint/2010/main" val="2636455883"/>
+      </p:ext>
+    </p:extLst>
+  </p:cSld>
+  <p:clrMapOvr>
+    <a:masterClrMapping/>
+  </p:clrMapOvr>
+</p:notes>
+</file>
+
+<file path=ppt/notesSlides/notesSlide7.xml><?xml version="1.0" encoding="utf-8"?>
+<p:notes xmlns:a="http://schemas.openxmlformats.org/drawingml/2006/main" xmlns:r="http://schemas.openxmlformats.org/officeDocument/2006/relationships" xmlns:p="http://schemas.openxmlformats.org/presentationml/2006/main">
+  <p:cSld>
+    <p:spTree>
+      <p:nvGrpSpPr>
+        <p:cNvPr id="1" name=""/>
+        <p:cNvGrpSpPr/>
+        <p:nvPr/>
+      </p:nvGrpSpPr>
+      <p:grpSpPr>
+        <a:xfrm>
+          <a:off x="0" y="0"/>
+          <a:ext cx="0" cy="0"/>
+          <a:chOff x="0" y="0"/>
+          <a:chExt cx="0" cy="0"/>
+        </a:xfrm>
+      </p:grpSpPr>
+      <p:sp>
+        <p:nvSpPr>
+          <p:cNvPr id="2" name="スライド イメージ プレースホルダー 1"/>
+          <p:cNvSpPr>
+            <a:spLocks noGrp="1" noRot="1" noChangeAspect="1"/>
+          </p:cNvSpPr>
+          <p:nvPr>
+            <p:ph type="sldImg"/>
+          </p:nvPr>
+        </p:nvSpPr>
+        <p:spPr/>
+      </p:sp>
+      <p:sp>
+        <p:nvSpPr>
+          <p:cNvPr id="3" name="ノート プレースホルダー 2"/>
+          <p:cNvSpPr>
+            <a:spLocks noGrp="1"/>
+          </p:cNvSpPr>
+          <p:nvPr>
+            <p:ph type="body" idx="1"/>
+          </p:nvPr>
+        </p:nvSpPr>
+        <p:spPr/>
+        <p:txBody>
+          <a:bodyPr/>
+          <a:lstStyle/>
+          <a:p>
+            <a:r>
+              <a:rPr kumimoji="1" lang="ja-JP" altLang="en-US" dirty="0" smtClean="0"/>
+              <a:t>既存の</a:t>
+            </a:r>
+            <a:r>
+              <a:rPr kumimoji="1" lang="en-US" altLang="ja-JP" dirty="0" smtClean="0"/>
+              <a:t>VR</a:t>
+            </a:r>
+            <a:r>
+              <a:rPr kumimoji="1" lang="ja-JP" altLang="en-US" dirty="0" smtClean="0"/>
+              <a:t>を使ったショッピングサイトをもう少し調べる</a:t>
+            </a:r>
+            <a:endParaRPr kumimoji="1" lang="en-US" altLang="ja-JP" dirty="0" smtClean="0"/>
+          </a:p>
+          <a:p>
+            <a:endParaRPr kumimoji="1" lang="en-US" altLang="ja-JP" dirty="0" smtClean="0"/>
+          </a:p>
+          <a:p>
+            <a:r>
+              <a:rPr kumimoji="1" lang="ja-JP" altLang="en-US" dirty="0" smtClean="0"/>
+              <a:t>オープンキャンパスでも展示し、一般の人のからのフィードバックを聞く</a:t>
+            </a:r>
+            <a:endParaRPr kumimoji="1" lang="en-US" altLang="ja-JP" dirty="0" smtClean="0"/>
+          </a:p>
+          <a:p>
+            <a:endParaRPr kumimoji="1" lang="en-US" altLang="ja-JP" dirty="0" smtClean="0"/>
+          </a:p>
+          <a:p>
+            <a:r>
+              <a:rPr kumimoji="1" lang="ja-JP" altLang="en-US" dirty="0" smtClean="0"/>
+              <a:t>そこでの問題点などを踏まえて開発を進めていく</a:t>
+            </a:r>
+            <a:endParaRPr kumimoji="1" lang="ja-JP" altLang="en-US" dirty="0"/>
+          </a:p>
+        </p:txBody>
+      </p:sp>
+      <p:sp>
+        <p:nvSpPr>
+          <p:cNvPr id="4" name="スライド番号プレースホルダー 3"/>
+          <p:cNvSpPr>
+            <a:spLocks noGrp="1"/>
+          </p:cNvSpPr>
+          <p:nvPr>
+            <p:ph type="sldNum" sz="quarter" idx="10"/>
+          </p:nvPr>
+        </p:nvSpPr>
+        <p:spPr/>
+        <p:txBody>
+          <a:bodyPr/>
+          <a:lstStyle/>
+          <a:p>
+            <a:fld id="{A8E18179-35A5-492F-B847-985618F55178}" type="slidenum">
+              <a:rPr kumimoji="1" lang="ja-JP" altLang="en-US" smtClean="0"/>
+              <a:t>8</a:t>
+            </a:fld>
+            <a:endParaRPr kumimoji="1" lang="ja-JP" altLang="en-US"/>
+          </a:p>
+        </p:txBody>
+      </p:sp>
+    </p:spTree>
+    <p:extLst>
+      <p:ext uri="{BB962C8B-B14F-4D97-AF65-F5344CB8AC3E}">
+        <p14:creationId xmlns:p14="http://schemas.microsoft.com/office/powerpoint/2010/main" val="2498603752"/>
       </p:ext>
     </p:extLst>
   </p:cSld>
@@ -2131,47 +2254,53 @@
         </p:nvSpPr>
         <p:spPr/>
         <p:txBody>
-          <a:bodyPr/>
-          <a:lstStyle/>
-          <a:p>
-            <a:r>
-              <a:rPr kumimoji="1" lang="ja-JP" altLang="en-US" dirty="0" smtClean="0"/>
-              <a:t>マスター タイトルの書式設定</a:t>
-            </a:r>
-            <a:endParaRPr kumimoji="1" lang="ja-JP" altLang="en-US" dirty="0"/>
-          </a:p>
-        </p:txBody>
-      </p:sp>
-      <p:sp>
-        <p:nvSpPr>
-          <p:cNvPr id="3" name="コンテンツ プレースホルダー 2"/>
-          <p:cNvSpPr>
-            <a:spLocks noGrp="1"/>
-          </p:cNvSpPr>
-          <p:nvPr>
-            <p:ph idx="1"/>
-          </p:nvPr>
-        </p:nvSpPr>
-        <p:spPr/>
-        <p:txBody>
           <a:bodyPr>
             <a:normAutofit/>
           </a:bodyPr>
           <a:lstStyle>
             <a:lvl1pPr>
-              <a:defRPr sz="3200"/>
+              <a:defRPr sz="4000"/>
+            </a:lvl1pPr>
+          </a:lstStyle>
+          <a:p>
+            <a:r>
+              <a:rPr kumimoji="1" lang="ja-JP" altLang="en-US" dirty="0" smtClean="0"/>
+              <a:t>マスター タイトルの書式設定</a:t>
+            </a:r>
+            <a:endParaRPr kumimoji="1" lang="ja-JP" altLang="en-US" dirty="0"/>
+          </a:p>
+        </p:txBody>
+      </p:sp>
+      <p:sp>
+        <p:nvSpPr>
+          <p:cNvPr id="3" name="コンテンツ プレースホルダー 2"/>
+          <p:cNvSpPr>
+            <a:spLocks noGrp="1"/>
+          </p:cNvSpPr>
+          <p:nvPr>
+            <p:ph idx="1"/>
+          </p:nvPr>
+        </p:nvSpPr>
+        <p:spPr/>
+        <p:txBody>
+          <a:bodyPr>
+            <a:normAutofit/>
+          </a:bodyPr>
+          <a:lstStyle>
+            <a:lvl1pPr>
+              <a:defRPr sz="2800"/>
             </a:lvl1pPr>
             <a:lvl2pPr>
-              <a:defRPr sz="2800"/>
+              <a:defRPr sz="2400"/>
             </a:lvl2pPr>
             <a:lvl3pPr>
-              <a:defRPr sz="2400"/>
+              <a:defRPr sz="2000"/>
             </a:lvl3pPr>
             <a:lvl4pPr>
-              <a:defRPr sz="2000"/>
+              <a:defRPr sz="1800"/>
             </a:lvl4pPr>
             <a:lvl5pPr>
-              <a:defRPr sz="2000"/>
+              <a:defRPr sz="1800"/>
             </a:lvl5pPr>
           </a:lstStyle>
           <a:p>
@@ -4699,15 +4828,12 @@
             </a:br>
             <a:r>
               <a:rPr lang="ja-JP" altLang="en-US" sz="4800" dirty="0" smtClean="0"/>
-              <a:t>オンラインショッピングの研究</a:t>
-            </a:r>
-            <a:r>
-              <a:rPr lang="en-US" altLang="ja-JP" sz="4800" dirty="0"/>
-              <a:t/>
-            </a:r>
-            <a:br>
-              <a:rPr lang="en-US" altLang="ja-JP" sz="4800" dirty="0"/>
-            </a:br>
+              <a:t>オンラインショッピングの</a:t>
+            </a:r>
+            <a:r>
+              <a:rPr lang="ja-JP" altLang="en-US" sz="4800" dirty="0" smtClean="0"/>
+              <a:t>研究</a:t>
+            </a:r>
             <a:r>
               <a:rPr lang="ja-JP" altLang="en-US" sz="4800" dirty="0" smtClean="0"/>
               <a:t>　</a:t>
@@ -4746,11 +4872,7 @@
             </a:r>
             <a:r>
               <a:rPr kumimoji="1" lang="ja-JP" altLang="en-US" dirty="0" smtClean="0"/>
-              <a:t> 山崎</a:t>
-            </a:r>
-            <a:r>
-              <a:rPr kumimoji="1" lang="ja-JP" altLang="en-US" dirty="0" smtClean="0"/>
-              <a:t>孝太</a:t>
+              <a:t> 山崎孝太</a:t>
             </a:r>
             <a:endParaRPr kumimoji="1" lang="en-US" altLang="ja-JP" dirty="0" smtClean="0"/>
           </a:p>
@@ -4847,7 +4969,11 @@
           <a:bodyPr/>
           <a:lstStyle/>
           <a:p>
-            <a:endParaRPr kumimoji="1" lang="ja-JP" altLang="en-US"/>
+            <a:r>
+              <a:rPr kumimoji="1" lang="ja-JP" altLang="en-US" dirty="0" smtClean="0"/>
+              <a:t>目次</a:t>
+            </a:r>
+            <a:endParaRPr kumimoji="1" lang="ja-JP" altLang="en-US" dirty="0"/>
           </a:p>
         </p:txBody>
       </p:sp>
@@ -4863,10 +4989,51 @@
         </p:nvSpPr>
         <p:spPr/>
         <p:txBody>
-          <a:bodyPr/>
-          <a:lstStyle/>
-          <a:p>
-            <a:endParaRPr kumimoji="1" lang="ja-JP" altLang="en-US"/>
+          <a:bodyPr>
+            <a:normAutofit/>
+          </a:bodyPr>
+          <a:lstStyle/>
+          <a:p>
+            <a:r>
+              <a:rPr kumimoji="1" lang="ja-JP" altLang="en-US" dirty="0" smtClean="0"/>
+              <a:t>背景</a:t>
+            </a:r>
+            <a:endParaRPr kumimoji="1" lang="en-US" altLang="ja-JP" dirty="0" smtClean="0"/>
+          </a:p>
+          <a:p>
+            <a:r>
+              <a:rPr lang="ja-JP" altLang="en-US" dirty="0" smtClean="0"/>
+              <a:t>問題点</a:t>
+            </a:r>
+            <a:endParaRPr kumimoji="1" lang="en-US" altLang="ja-JP" dirty="0" smtClean="0"/>
+          </a:p>
+          <a:p>
+            <a:r>
+              <a:rPr kumimoji="1" lang="ja-JP" altLang="en-US" dirty="0" smtClean="0"/>
+              <a:t>目的</a:t>
+            </a:r>
+            <a:endParaRPr lang="en-US" altLang="ja-JP" dirty="0" smtClean="0"/>
+          </a:p>
+          <a:p>
+            <a:r>
+              <a:rPr lang="ja-JP" altLang="en-US" dirty="0" smtClean="0"/>
+              <a:t>開発環境</a:t>
+            </a:r>
+            <a:endParaRPr kumimoji="1" lang="en-US" altLang="ja-JP" dirty="0" smtClean="0"/>
+          </a:p>
+          <a:p>
+            <a:r>
+              <a:rPr kumimoji="1" lang="ja-JP" altLang="en-US" dirty="0" smtClean="0"/>
+              <a:t>今後の</a:t>
+            </a:r>
+            <a:r>
+              <a:rPr kumimoji="1" lang="ja-JP" altLang="en-US" dirty="0"/>
+              <a:t>予定</a:t>
+            </a:r>
+            <a:endParaRPr kumimoji="1" lang="en-US" altLang="ja-JP" dirty="0" smtClean="0"/>
+          </a:p>
+          <a:p>
+            <a:endParaRPr kumimoji="1" lang="ja-JP" altLang="en-US" dirty="0"/>
           </a:p>
         </p:txBody>
       </p:sp>
@@ -4977,11 +5144,7 @@
             </a:r>
             <a:r>
               <a:rPr kumimoji="1" lang="ja-JP" altLang="en-US" dirty="0" smtClean="0"/>
-              <a:t>流行の</a:t>
-            </a:r>
-            <a:r>
-              <a:rPr kumimoji="1" lang="ja-JP" altLang="en-US" dirty="0" smtClean="0"/>
-              <a:t>兆し</a:t>
+              <a:t>流行の兆し</a:t>
             </a:r>
             <a:endParaRPr kumimoji="1" lang="en-US" altLang="ja-JP" dirty="0" smtClean="0"/>
           </a:p>
@@ -5971,15 +6134,19 @@
             </a:r>
             <a:r>
               <a:rPr kumimoji="1" lang="ja-JP" altLang="en-US" dirty="0" smtClean="0"/>
-              <a:t>を使ったショッピングサイトを</a:t>
-            </a:r>
-            <a:r>
-              <a:rPr kumimoji="1" lang="ja-JP" altLang="en-US" dirty="0" smtClean="0"/>
-              <a:t>作成</a:t>
+              <a:t>を使ったショッピングサイト</a:t>
+            </a:r>
+            <a:r>
+              <a:rPr kumimoji="1" lang="ja-JP" altLang="en-US" dirty="0" smtClean="0"/>
+              <a:t>を開発</a:t>
             </a:r>
             <a:r>
               <a:rPr lang="ja-JP" altLang="en-US" dirty="0" smtClean="0"/>
-              <a:t>し、</a:t>
+              <a:t>し</a:t>
+            </a:r>
+            <a:r>
+              <a:rPr lang="ja-JP" altLang="en-US" dirty="0" smtClean="0"/>
+              <a:t>、</a:t>
             </a:r>
             <a:endParaRPr lang="en-US" altLang="ja-JP" dirty="0" smtClean="0"/>
           </a:p>
@@ -5989,15 +6156,7 @@
             </a:pPr>
             <a:r>
               <a:rPr kumimoji="1" lang="ja-JP" altLang="en-US" dirty="0" smtClean="0"/>
-              <a:t>問題点</a:t>
-            </a:r>
-            <a:r>
-              <a:rPr kumimoji="1" lang="ja-JP" altLang="en-US" dirty="0" smtClean="0"/>
-              <a:t>・今後の課題・将来性</a:t>
-            </a:r>
-            <a:r>
-              <a:rPr kumimoji="1" lang="ja-JP" altLang="en-US" dirty="0" smtClean="0"/>
-              <a:t>などの調査</a:t>
+              <a:t>問題点・今後の課題・将来性などの調査</a:t>
             </a:r>
             <a:endParaRPr kumimoji="1" lang="en-US" altLang="ja-JP" dirty="0" smtClean="0"/>
           </a:p>
@@ -6011,7 +6170,7 @@
             </a:r>
             <a:r>
               <a:rPr lang="ja-JP" altLang="en-US" dirty="0" smtClean="0"/>
-              <a:t>探し、実装</a:t>
+              <a:t>探す</a:t>
             </a:r>
             <a:endParaRPr kumimoji="1" lang="en-US" altLang="ja-JP" dirty="0" smtClean="0"/>
           </a:p>
@@ -6116,7 +6275,9 @@
         </p:nvSpPr>
         <p:spPr/>
         <p:txBody>
-          <a:bodyPr/>
+          <a:bodyPr>
+            <a:normAutofit/>
+          </a:bodyPr>
           <a:lstStyle/>
           <a:p>
             <a:endParaRPr kumimoji="1" lang="en-US" altLang="ja-JP" dirty="0" smtClean="0">
@@ -6242,6 +6403,39 @@
                 <a:ea typeface="+mj-ea"/>
               </a:rPr>
               <a:t>４</a:t>
+            </a:r>
+            <a:endParaRPr kumimoji="1" lang="en-US" altLang="ja-JP" dirty="0" smtClean="0">
+              <a:latin typeface="+mj-ea"/>
+              <a:ea typeface="+mj-ea"/>
+            </a:endParaRPr>
+          </a:p>
+          <a:p>
+            <a:endParaRPr lang="en-US" altLang="ja-JP" dirty="0">
+              <a:latin typeface="+mj-ea"/>
+              <a:ea typeface="+mj-ea"/>
+            </a:endParaRPr>
+          </a:p>
+          <a:p>
+            <a:r>
+              <a:rPr kumimoji="1" lang="en-US" altLang="ja-JP" dirty="0" smtClean="0">
+                <a:latin typeface="+mj-ea"/>
+                <a:ea typeface="+mj-ea"/>
+              </a:rPr>
+              <a:t>Visual</a:t>
+            </a:r>
+            <a:r>
+              <a:rPr kumimoji="1" lang="ja-JP" altLang="en-US" dirty="0" smtClean="0">
+                <a:latin typeface="+mj-ea"/>
+                <a:ea typeface="+mj-ea"/>
+              </a:rPr>
+              <a:t> </a:t>
+            </a:r>
+            <a:r>
+              <a:rPr kumimoji="1" lang="en-US" altLang="ja-JP" dirty="0" smtClean="0">
+                <a:latin typeface="+mj-ea"/>
+                <a:ea typeface="+mj-ea"/>
+              </a:rPr>
+              <a:t>Studio</a:t>
             </a:r>
             <a:endParaRPr kumimoji="1" lang="ja-JP" altLang="en-US" dirty="0">
               <a:latin typeface="+mj-ea"/>
@@ -6274,40 +6468,148 @@
           </a:p>
         </p:txBody>
       </p:sp>
-      <p:pic>
-        <p:nvPicPr>
-          <p:cNvPr id="9" name="図 8"/>
-          <p:cNvPicPr>
-            <a:picLocks noChangeAspect="1"/>
-          </p:cNvPicPr>
-          <p:nvPr/>
-        </p:nvPicPr>
-        <p:blipFill>
-          <a:blip r:embed="rId3">
-            <a:extLst>
-              <a:ext uri="{28A0092B-C50C-407E-A947-70E740481C1C}">
-                <a14:useLocalDpi xmlns:a14="http://schemas.microsoft.com/office/drawing/2010/main" val="0"/>
-              </a:ext>
-            </a:extLst>
-          </a:blip>
-          <a:stretch>
-            <a:fillRect/>
-          </a:stretch>
-        </p:blipFill>
-        <p:spPr>
-          <a:xfrm>
-            <a:off x="6064184" y="1436412"/>
-            <a:ext cx="3741298" cy="4275768"/>
-          </a:xfrm>
-          <a:prstGeom prst="rect">
-            <a:avLst/>
-          </a:prstGeom>
-        </p:spPr>
-      </p:pic>
     </p:spTree>
     <p:extLst>
       <p:ext uri="{BB962C8B-B14F-4D97-AF65-F5344CB8AC3E}">
         <p14:creationId xmlns:p14="http://schemas.microsoft.com/office/powerpoint/2010/main" val="3221152782"/>
+      </p:ext>
+    </p:extLst>
+  </p:cSld>
+  <p:clrMapOvr>
+    <a:masterClrMapping/>
+  </p:clrMapOvr>
+  <p:timing>
+    <p:tnLst>
+      <p:par>
+        <p:cTn id="1" dur="indefinite" restart="never" nodeType="tmRoot"/>
+      </p:par>
+    </p:tnLst>
+  </p:timing>
+</p:sld>
+</file>
+
+<file path=ppt/slides/slide8.xml><?xml version="1.0" encoding="utf-8"?>
+<p:sld xmlns:a="http://schemas.openxmlformats.org/drawingml/2006/main" xmlns:r="http://schemas.openxmlformats.org/officeDocument/2006/relationships" xmlns:p="http://schemas.openxmlformats.org/presentationml/2006/main">
+  <p:cSld>
+    <p:spTree>
+      <p:nvGrpSpPr>
+        <p:cNvPr id="1" name=""/>
+        <p:cNvGrpSpPr/>
+        <p:nvPr/>
+      </p:nvGrpSpPr>
+      <p:grpSpPr>
+        <a:xfrm>
+          <a:off x="0" y="0"/>
+          <a:ext cx="0" cy="0"/>
+          <a:chOff x="0" y="0"/>
+          <a:chExt cx="0" cy="0"/>
+        </a:xfrm>
+      </p:grpSpPr>
+      <p:sp>
+        <p:nvSpPr>
+          <p:cNvPr id="2" name="タイトル 1"/>
+          <p:cNvSpPr>
+            <a:spLocks noGrp="1"/>
+          </p:cNvSpPr>
+          <p:nvPr>
+            <p:ph type="title"/>
+          </p:nvPr>
+        </p:nvSpPr>
+        <p:spPr/>
+        <p:txBody>
+          <a:bodyPr/>
+          <a:lstStyle/>
+          <a:p>
+            <a:r>
+              <a:rPr kumimoji="1" lang="ja-JP" altLang="en-US" dirty="0" smtClean="0"/>
+              <a:t>今後の予定</a:t>
+            </a:r>
+            <a:endParaRPr kumimoji="1" lang="ja-JP" altLang="en-US" dirty="0"/>
+          </a:p>
+        </p:txBody>
+      </p:sp>
+      <p:sp>
+        <p:nvSpPr>
+          <p:cNvPr id="3" name="コンテンツ プレースホルダー 2"/>
+          <p:cNvSpPr>
+            <a:spLocks noGrp="1"/>
+          </p:cNvSpPr>
+          <p:nvPr>
+            <p:ph idx="1"/>
+          </p:nvPr>
+        </p:nvSpPr>
+        <p:spPr/>
+        <p:txBody>
+          <a:bodyPr/>
+          <a:lstStyle/>
+          <a:p>
+            <a:r>
+              <a:rPr kumimoji="1" lang="ja-JP" altLang="en-US" dirty="0" smtClean="0"/>
+              <a:t>既存の</a:t>
+            </a:r>
+            <a:r>
+              <a:rPr kumimoji="1" lang="en-US" altLang="ja-JP" dirty="0" smtClean="0"/>
+              <a:t>VR</a:t>
+            </a:r>
+            <a:r>
+              <a:rPr kumimoji="1" lang="ja-JP" altLang="en-US" dirty="0" smtClean="0"/>
+              <a:t>を使ったショッピングサイトの調査</a:t>
+            </a:r>
+            <a:endParaRPr kumimoji="1" lang="en-US" altLang="ja-JP" dirty="0" smtClean="0"/>
+          </a:p>
+          <a:p>
+            <a:pPr marL="0" indent="0">
+              <a:buNone/>
+            </a:pPr>
+            <a:endParaRPr lang="en-US" altLang="ja-JP" dirty="0"/>
+          </a:p>
+          <a:p>
+            <a:r>
+              <a:rPr kumimoji="1" lang="ja-JP" altLang="en-US" dirty="0" smtClean="0"/>
+              <a:t>オープンキャンパスで展示</a:t>
+            </a:r>
+            <a:endParaRPr kumimoji="1" lang="en-US" altLang="ja-JP" dirty="0" smtClean="0"/>
+          </a:p>
+          <a:p>
+            <a:endParaRPr lang="en-US" altLang="ja-JP" dirty="0"/>
+          </a:p>
+          <a:p>
+            <a:r>
+              <a:rPr kumimoji="1" lang="ja-JP" altLang="en-US" dirty="0" smtClean="0"/>
+              <a:t>ショッピングサイト開発の継続</a:t>
+            </a:r>
+            <a:endParaRPr kumimoji="1" lang="ja-JP" altLang="en-US" dirty="0"/>
+          </a:p>
+        </p:txBody>
+      </p:sp>
+      <p:sp>
+        <p:nvSpPr>
+          <p:cNvPr id="4" name="スライド番号プレースホルダー 3"/>
+          <p:cNvSpPr>
+            <a:spLocks noGrp="1"/>
+          </p:cNvSpPr>
+          <p:nvPr>
+            <p:ph type="sldNum" sz="quarter" idx="12"/>
+          </p:nvPr>
+        </p:nvSpPr>
+        <p:spPr/>
+        <p:txBody>
+          <a:bodyPr/>
+          <a:lstStyle/>
+          <a:p>
+            <a:fld id="{E3029707-8757-4610-92E9-02704EFB7568}" type="slidenum">
+              <a:rPr lang="ja-JP" altLang="en-US" smtClean="0"/>
+              <a:pPr/>
+              <a:t>8</a:t>
+            </a:fld>
+            <a:endParaRPr lang="ja-JP" altLang="en-US" dirty="0"/>
+          </a:p>
+        </p:txBody>
+      </p:sp>
+    </p:spTree>
+    <p:extLst>
+      <p:ext uri="{BB962C8B-B14F-4D97-AF65-F5344CB8AC3E}">
+        <p14:creationId xmlns:p14="http://schemas.microsoft.com/office/powerpoint/2010/main" val="3487202428"/>
       </p:ext>
     </p:extLst>
   </p:cSld>

--- a/スライド/20170720_中間発表.pptx
+++ b/スライド/20170720_中間発表.pptx
@@ -5,7 +5,7 @@
     <p:sldMasterId id="2147483648" r:id="rId1"/>
   </p:sldMasterIdLst>
   <p:notesMasterIdLst>
-    <p:notesMasterId r:id="rId10"/>
+    <p:notesMasterId r:id="rId11"/>
   </p:notesMasterIdLst>
   <p:sldIdLst>
     <p:sldId id="256" r:id="rId2"/>
@@ -13,9 +13,10 @@
     <p:sldId id="262" r:id="rId4"/>
     <p:sldId id="264" r:id="rId5"/>
     <p:sldId id="268" r:id="rId6"/>
-    <p:sldId id="265" r:id="rId7"/>
-    <p:sldId id="266" r:id="rId8"/>
-    <p:sldId id="270" r:id="rId9"/>
+    <p:sldId id="271" r:id="rId7"/>
+    <p:sldId id="265" r:id="rId8"/>
+    <p:sldId id="266" r:id="rId9"/>
+    <p:sldId id="270" r:id="rId10"/>
   </p:sldIdLst>
   <p:sldSz cx="12192000" cy="6858000"/>
   <p:notesSz cx="6858000" cy="9144000"/>
@@ -204,7 +205,7 @@
           <a:p>
             <a:fld id="{2AB0F3B0-C918-4BD8-9B0E-9EF45F862D8F}" type="datetimeFigureOut">
               <a:rPr kumimoji="1" lang="ja-JP" altLang="en-US" smtClean="0"/>
-              <a:t>2017/7/20</a:t>
+              <a:t>2017/7/21</a:t>
             </a:fld>
             <a:endParaRPr kumimoji="1" lang="ja-JP" altLang="en-US"/>
           </a:p>
@@ -1344,11 +1345,7 @@
           <a:p>
             <a:r>
               <a:rPr kumimoji="1" lang="ja-JP" altLang="en-US" dirty="0" smtClean="0"/>
-              <a:t>実際</a:t>
-            </a:r>
-            <a:r>
-              <a:rPr kumimoji="1" lang="ja-JP" altLang="en-US" dirty="0" smtClean="0"/>
-              <a:t>に複数作成してみて問題点や将来性などを調べる</a:t>
+              <a:t>実際に複数作成してみて問題点や将来性などを調べる</a:t>
             </a:r>
             <a:endParaRPr kumimoji="1" lang="en-US" altLang="ja-JP" dirty="0" smtClean="0"/>
           </a:p>
@@ -1395,7 +1392,7 @@
           <a:p>
             <a:fld id="{A8E18179-35A5-492F-B847-985618F55178}" type="slidenum">
               <a:rPr kumimoji="1" lang="ja-JP" altLang="en-US" smtClean="0"/>
-              <a:t>6</a:t>
+              <a:t>7</a:t>
             </a:fld>
             <a:endParaRPr kumimoji="1" lang="ja-JP" altLang="en-US"/>
           </a:p>
@@ -1479,7 +1476,7 @@
           <a:p>
             <a:fld id="{A8E18179-35A5-492F-B847-985618F55178}" type="slidenum">
               <a:rPr kumimoji="1" lang="ja-JP" altLang="en-US" smtClean="0"/>
-              <a:t>7</a:t>
+              <a:t>8</a:t>
             </a:fld>
             <a:endParaRPr kumimoji="1" lang="ja-JP" altLang="en-US"/>
           </a:p>
@@ -1595,7 +1592,7 @@
           <a:p>
             <a:fld id="{A8E18179-35A5-492F-B847-985618F55178}" type="slidenum">
               <a:rPr kumimoji="1" lang="ja-JP" altLang="en-US" smtClean="0"/>
-              <a:t>8</a:t>
+              <a:t>9</a:t>
             </a:fld>
             <a:endParaRPr kumimoji="1" lang="ja-JP" altLang="en-US"/>
           </a:p>
@@ -1745,7 +1742,7 @@
           <a:p>
             <a:fld id="{2FFC807F-32EB-4C8B-9E7F-2C847871CBAD}" type="datetime1">
               <a:rPr kumimoji="1" lang="ja-JP" altLang="en-US" smtClean="0"/>
-              <a:t>2017/7/20</a:t>
+              <a:t>2017/7/21</a:t>
             </a:fld>
             <a:endParaRPr kumimoji="1" lang="ja-JP" altLang="en-US"/>
           </a:p>
@@ -1952,7 +1949,7 @@
           <a:p>
             <a:fld id="{942386A2-4E2D-4EED-BD2D-A6400E084FB6}" type="datetime1">
               <a:rPr kumimoji="1" lang="ja-JP" altLang="en-US" smtClean="0"/>
-              <a:t>2017/7/20</a:t>
+              <a:t>2017/7/21</a:t>
             </a:fld>
             <a:endParaRPr kumimoji="1" lang="ja-JP" altLang="en-US"/>
           </a:p>
@@ -2164,7 +2161,7 @@
           <a:p>
             <a:fld id="{66834798-1652-4ADD-BCA3-FAF052D29263}" type="datetime1">
               <a:rPr kumimoji="1" lang="ja-JP" altLang="en-US" smtClean="0"/>
-              <a:t>2017/7/20</a:t>
+              <a:t>2017/7/21</a:t>
             </a:fld>
             <a:endParaRPr kumimoji="1" lang="ja-JP" altLang="en-US"/>
           </a:p>
@@ -2390,7 +2387,7 @@
           <a:p>
             <a:fld id="{2552E5EE-F6E0-4213-B0AE-26278F523F00}" type="datetime1">
               <a:rPr kumimoji="1" lang="ja-JP" altLang="en-US" smtClean="0"/>
-              <a:t>2017/7/20</a:t>
+              <a:t>2017/7/21</a:t>
             </a:fld>
             <a:endParaRPr kumimoji="1" lang="ja-JP" altLang="en-US"/>
           </a:p>
@@ -2641,7 +2638,7 @@
           <a:p>
             <a:fld id="{446B26C8-EA2E-4375-95B7-121F9F3E3456}" type="datetime1">
               <a:rPr kumimoji="1" lang="ja-JP" altLang="en-US" smtClean="0"/>
-              <a:t>2017/7/20</a:t>
+              <a:t>2017/7/21</a:t>
             </a:fld>
             <a:endParaRPr kumimoji="1" lang="ja-JP" altLang="en-US"/>
           </a:p>
@@ -2853,70 +2850,70 @@
           <a:p>
             <a:pPr lvl="0"/>
             <a:r>
-              <a:rPr kumimoji="1" lang="ja-JP" altLang="en-US" smtClean="0"/>
+              <a:rPr kumimoji="1" lang="ja-JP" altLang="en-US" dirty="0" smtClean="0"/>
               <a:t>マスター テキストの書式設定</a:t>
             </a:r>
           </a:p>
           <a:p>
             <a:pPr lvl="1"/>
             <a:r>
-              <a:rPr kumimoji="1" lang="ja-JP" altLang="en-US" smtClean="0"/>
+              <a:rPr kumimoji="1" lang="ja-JP" altLang="en-US" dirty="0" smtClean="0"/>
               <a:t>第 </a:t>
             </a:r>
             <a:r>
-              <a:rPr kumimoji="1" lang="en-US" altLang="ja-JP" smtClean="0"/>
+              <a:rPr kumimoji="1" lang="en-US" altLang="ja-JP" dirty="0" smtClean="0"/>
               <a:t>2 </a:t>
             </a:r>
             <a:r>
-              <a:rPr kumimoji="1" lang="ja-JP" altLang="en-US" smtClean="0"/>
+              <a:rPr kumimoji="1" lang="ja-JP" altLang="en-US" dirty="0" smtClean="0"/>
               <a:t>レベル</a:t>
             </a:r>
           </a:p>
           <a:p>
             <a:pPr lvl="2"/>
             <a:r>
-              <a:rPr kumimoji="1" lang="ja-JP" altLang="en-US" smtClean="0"/>
+              <a:rPr kumimoji="1" lang="ja-JP" altLang="en-US" dirty="0" smtClean="0"/>
               <a:t>第 </a:t>
             </a:r>
             <a:r>
-              <a:rPr kumimoji="1" lang="en-US" altLang="ja-JP" smtClean="0"/>
+              <a:rPr kumimoji="1" lang="en-US" altLang="ja-JP" dirty="0" smtClean="0"/>
               <a:t>3 </a:t>
             </a:r>
             <a:r>
-              <a:rPr kumimoji="1" lang="ja-JP" altLang="en-US" smtClean="0"/>
+              <a:rPr kumimoji="1" lang="ja-JP" altLang="en-US" dirty="0" smtClean="0"/>
               <a:t>レベル</a:t>
             </a:r>
           </a:p>
           <a:p>
             <a:pPr lvl="3"/>
             <a:r>
-              <a:rPr kumimoji="1" lang="ja-JP" altLang="en-US" smtClean="0"/>
+              <a:rPr kumimoji="1" lang="ja-JP" altLang="en-US" dirty="0" smtClean="0"/>
               <a:t>第 </a:t>
             </a:r>
             <a:r>
-              <a:rPr kumimoji="1" lang="en-US" altLang="ja-JP" smtClean="0"/>
+              <a:rPr kumimoji="1" lang="en-US" altLang="ja-JP" dirty="0" smtClean="0"/>
               <a:t>4 </a:t>
             </a:r>
             <a:r>
-              <a:rPr kumimoji="1" lang="ja-JP" altLang="en-US" smtClean="0"/>
+              <a:rPr kumimoji="1" lang="ja-JP" altLang="en-US" dirty="0" smtClean="0"/>
               <a:t>レベル</a:t>
             </a:r>
           </a:p>
           <a:p>
             <a:pPr lvl="4"/>
             <a:r>
-              <a:rPr kumimoji="1" lang="ja-JP" altLang="en-US" smtClean="0"/>
+              <a:rPr kumimoji="1" lang="ja-JP" altLang="en-US" dirty="0" smtClean="0"/>
               <a:t>第 </a:t>
             </a:r>
             <a:r>
-              <a:rPr kumimoji="1" lang="en-US" altLang="ja-JP" smtClean="0"/>
+              <a:rPr kumimoji="1" lang="en-US" altLang="ja-JP" dirty="0" smtClean="0"/>
               <a:t>5 </a:t>
             </a:r>
             <a:r>
-              <a:rPr kumimoji="1" lang="ja-JP" altLang="en-US" smtClean="0"/>
+              <a:rPr kumimoji="1" lang="ja-JP" altLang="en-US" dirty="0" smtClean="0"/>
               <a:t>レベル</a:t>
             </a:r>
-            <a:endParaRPr kumimoji="1" lang="ja-JP" altLang="en-US"/>
+            <a:endParaRPr kumimoji="1" lang="ja-JP" altLang="en-US" dirty="0"/>
           </a:p>
         </p:txBody>
       </p:sp>
@@ -2937,7 +2934,7 @@
           <a:p>
             <a:fld id="{FBDF6C5D-F402-4BD4-AC42-DA8CA699D43B}" type="datetime1">
               <a:rPr kumimoji="1" lang="ja-JP" altLang="en-US" smtClean="0"/>
-              <a:t>2017/7/20</a:t>
+              <a:t>2017/7/21</a:t>
             </a:fld>
             <a:endParaRPr kumimoji="1" lang="ja-JP" altLang="en-US"/>
           </a:p>
@@ -2975,13 +2972,18 @@
         <p:spPr/>
         <p:txBody>
           <a:bodyPr/>
-          <a:lstStyle/>
+          <a:lstStyle>
+            <a:lvl1pPr>
+              <a:defRPr sz="1600"/>
+            </a:lvl1pPr>
+          </a:lstStyle>
           <a:p>
             <a:fld id="{E3029707-8757-4610-92E9-02704EFB7568}" type="slidenum">
-              <a:rPr kumimoji="1" lang="ja-JP" altLang="en-US" smtClean="0"/>
+              <a:rPr lang="ja-JP" altLang="en-US" smtClean="0"/>
+              <a:pPr/>
               <a:t>‹#›</a:t>
             </a:fld>
-            <a:endParaRPr kumimoji="1" lang="ja-JP" altLang="en-US"/>
+            <a:endParaRPr lang="ja-JP" altLang="en-US" dirty="0"/>
           </a:p>
         </p:txBody>
       </p:sp>
@@ -3368,7 +3370,7 @@
           <a:p>
             <a:fld id="{227A858C-44B4-4822-BEAB-5E5E24169D18}" type="datetime1">
               <a:rPr kumimoji="1" lang="ja-JP" altLang="en-US" smtClean="0"/>
-              <a:t>2017/7/20</a:t>
+              <a:t>2017/7/21</a:t>
             </a:fld>
             <a:endParaRPr kumimoji="1" lang="ja-JP" altLang="en-US"/>
           </a:p>
@@ -3486,7 +3488,7 @@
           <a:p>
             <a:fld id="{672F741D-D308-4282-97E7-4E1A72876DD6}" type="datetime1">
               <a:rPr kumimoji="1" lang="ja-JP" altLang="en-US" smtClean="0"/>
-              <a:t>2017/7/20</a:t>
+              <a:t>2017/7/21</a:t>
             </a:fld>
             <a:endParaRPr kumimoji="1" lang="ja-JP" altLang="en-US"/>
           </a:p>
@@ -3581,7 +3583,7 @@
           <a:p>
             <a:fld id="{A7C447B5-D3BD-42D7-82BC-C0BA27811551}" type="datetime1">
               <a:rPr kumimoji="1" lang="ja-JP" altLang="en-US" smtClean="0"/>
-              <a:t>2017/7/20</a:t>
+              <a:t>2017/7/21</a:t>
             </a:fld>
             <a:endParaRPr kumimoji="1" lang="ja-JP" altLang="en-US"/>
           </a:p>
@@ -3890,7 +3892,7 @@
           <a:p>
             <a:fld id="{8A1ACD27-3C07-47B0-966D-BB3E9026DC73}" type="datetime1">
               <a:rPr kumimoji="1" lang="ja-JP" altLang="en-US" smtClean="0"/>
-              <a:t>2017/7/20</a:t>
+              <a:t>2017/7/21</a:t>
             </a:fld>
             <a:endParaRPr kumimoji="1" lang="ja-JP" altLang="en-US"/>
           </a:p>
@@ -4143,7 +4145,7 @@
           <a:p>
             <a:fld id="{7B1AF852-3E19-4E7E-923F-94BF36185D82}" type="datetime1">
               <a:rPr kumimoji="1" lang="ja-JP" altLang="en-US" smtClean="0"/>
-              <a:t>2017/7/20</a:t>
+              <a:t>2017/7/21</a:t>
             </a:fld>
             <a:endParaRPr kumimoji="1" lang="ja-JP" altLang="en-US"/>
           </a:p>
@@ -4388,7 +4390,7 @@
           <a:p>
             <a:fld id="{4C9DA2F8-DBE4-4EAD-AC89-4041B91160A2}" type="datetime1">
               <a:rPr kumimoji="1" lang="ja-JP" altLang="en-US" smtClean="0"/>
-              <a:t>2017/7/20</a:t>
+              <a:t>2017/7/21</a:t>
             </a:fld>
             <a:endParaRPr kumimoji="1" lang="ja-JP" altLang="en-US"/>
           </a:p>
@@ -4828,15 +4830,7 @@
             </a:br>
             <a:r>
               <a:rPr lang="ja-JP" altLang="en-US" sz="4800" dirty="0" smtClean="0"/>
-              <a:t>オンラインショッピングの</a:t>
-            </a:r>
-            <a:r>
-              <a:rPr lang="ja-JP" altLang="en-US" sz="4800" dirty="0" smtClean="0"/>
-              <a:t>研究</a:t>
-            </a:r>
-            <a:r>
-              <a:rPr lang="ja-JP" altLang="en-US" sz="4800" dirty="0" smtClean="0"/>
-              <a:t>　</a:t>
+              <a:t>オンラインショッピングの研究　</a:t>
             </a:r>
             <a:endParaRPr kumimoji="1" lang="ja-JP" altLang="en-US" dirty="0"/>
           </a:p>
@@ -5139,7 +5133,9 @@
           <a:lstStyle/>
           <a:p>
             <a:r>
-              <a:rPr kumimoji="1" lang="en-US" altLang="ja-JP" dirty="0" smtClean="0"/>
+              <a:rPr kumimoji="1" lang="en-US" altLang="ja-JP" dirty="0" smtClean="0">
+                <a:latin typeface="+mn-ea"/>
+              </a:rPr>
               <a:t>VR</a:t>
             </a:r>
             <a:r>
@@ -5659,271 +5655,15 @@
   <p:timing>
     <p:tnLst>
       <p:par>
-        <p:cTn id="1" dur="indefinite" restart="never" nodeType="tmRoot">
-          <p:childTnLst>
-            <p:seq concurrent="1" nextAc="seek">
-              <p:cTn id="2" dur="indefinite" nodeType="mainSeq">
-                <p:childTnLst>
-                  <p:par>
-                    <p:cTn id="3" fill="hold">
-                      <p:stCondLst>
-                        <p:cond delay="indefinite"/>
-                      </p:stCondLst>
-                      <p:childTnLst>
-                        <p:par>
-                          <p:cTn id="4" fill="hold">
-                            <p:stCondLst>
-                              <p:cond delay="0"/>
-                            </p:stCondLst>
-                            <p:childTnLst>
-                              <p:par>
-                                <p:cTn id="5" presetID="10" presetClass="entr" presetSubtype="0" fill="hold" nodeType="clickEffect">
-                                  <p:stCondLst>
-                                    <p:cond delay="0"/>
-                                  </p:stCondLst>
-                                  <p:childTnLst>
-                                    <p:set>
-                                      <p:cBhvr>
-                                        <p:cTn id="6" dur="1" fill="hold">
-                                          <p:stCondLst>
-                                            <p:cond delay="0"/>
-                                          </p:stCondLst>
-                                        </p:cTn>
-                                        <p:tgtEl>
-                                          <p:spTgt spid="5"/>
-                                        </p:tgtEl>
-                                        <p:attrNameLst>
-                                          <p:attrName>style.visibility</p:attrName>
-                                        </p:attrNameLst>
-                                      </p:cBhvr>
-                                      <p:to>
-                                        <p:strVal val="visible"/>
-                                      </p:to>
-                                    </p:set>
-                                    <p:animEffect transition="in" filter="fade">
-                                      <p:cBhvr>
-                                        <p:cTn id="7" dur="500"/>
-                                        <p:tgtEl>
-                                          <p:spTgt spid="5"/>
-                                        </p:tgtEl>
-                                      </p:cBhvr>
-                                    </p:animEffect>
-                                  </p:childTnLst>
-                                </p:cTn>
-                              </p:par>
-                              <p:par>
-                                <p:cTn id="8" presetID="10" presetClass="entr" presetSubtype="0" fill="hold" grpId="0" nodeType="withEffect">
-                                  <p:stCondLst>
-                                    <p:cond delay="0"/>
-                                  </p:stCondLst>
-                                  <p:childTnLst>
-                                    <p:set>
-                                      <p:cBhvr>
-                                        <p:cTn id="9" dur="1" fill="hold">
-                                          <p:stCondLst>
-                                            <p:cond delay="0"/>
-                                          </p:stCondLst>
-                                        </p:cTn>
-                                        <p:tgtEl>
-                                          <p:spTgt spid="8"/>
-                                        </p:tgtEl>
-                                        <p:attrNameLst>
-                                          <p:attrName>style.visibility</p:attrName>
-                                        </p:attrNameLst>
-                                      </p:cBhvr>
-                                      <p:to>
-                                        <p:strVal val="visible"/>
-                                      </p:to>
-                                    </p:set>
-                                    <p:animEffect transition="in" filter="fade">
-                                      <p:cBhvr>
-                                        <p:cTn id="10" dur="500"/>
-                                        <p:tgtEl>
-                                          <p:spTgt spid="8"/>
-                                        </p:tgtEl>
-                                      </p:cBhvr>
-                                    </p:animEffect>
-                                  </p:childTnLst>
-                                </p:cTn>
-                              </p:par>
-                            </p:childTnLst>
-                          </p:cTn>
-                        </p:par>
-                      </p:childTnLst>
-                    </p:cTn>
-                  </p:par>
-                  <p:par>
-                    <p:cTn id="11" fill="hold">
-                      <p:stCondLst>
-                        <p:cond delay="indefinite"/>
-                      </p:stCondLst>
-                      <p:childTnLst>
-                        <p:par>
-                          <p:cTn id="12" fill="hold">
-                            <p:stCondLst>
-                              <p:cond delay="0"/>
-                            </p:stCondLst>
-                            <p:childTnLst>
-                              <p:par>
-                                <p:cTn id="13" presetID="10" presetClass="entr" presetSubtype="0" fill="hold" nodeType="clickEffect">
-                                  <p:stCondLst>
-                                    <p:cond delay="0"/>
-                                  </p:stCondLst>
-                                  <p:childTnLst>
-                                    <p:set>
-                                      <p:cBhvr>
-                                        <p:cTn id="14" dur="1" fill="hold">
-                                          <p:stCondLst>
-                                            <p:cond delay="0"/>
-                                          </p:stCondLst>
-                                        </p:cTn>
-                                        <p:tgtEl>
-                                          <p:spTgt spid="6"/>
-                                        </p:tgtEl>
-                                        <p:attrNameLst>
-                                          <p:attrName>style.visibility</p:attrName>
-                                        </p:attrNameLst>
-                                      </p:cBhvr>
-                                      <p:to>
-                                        <p:strVal val="visible"/>
-                                      </p:to>
-                                    </p:set>
-                                    <p:animEffect transition="in" filter="fade">
-                                      <p:cBhvr>
-                                        <p:cTn id="15" dur="500"/>
-                                        <p:tgtEl>
-                                          <p:spTgt spid="6"/>
-                                        </p:tgtEl>
-                                      </p:cBhvr>
-                                    </p:animEffect>
-                                  </p:childTnLst>
-                                </p:cTn>
-                              </p:par>
-                              <p:par>
-                                <p:cTn id="16" presetID="10" presetClass="entr" presetSubtype="0" fill="hold" grpId="0" nodeType="withEffect">
-                                  <p:stCondLst>
-                                    <p:cond delay="0"/>
-                                  </p:stCondLst>
-                                  <p:childTnLst>
-                                    <p:set>
-                                      <p:cBhvr>
-                                        <p:cTn id="17" dur="1" fill="hold">
-                                          <p:stCondLst>
-                                            <p:cond delay="0"/>
-                                          </p:stCondLst>
-                                        </p:cTn>
-                                        <p:tgtEl>
-                                          <p:spTgt spid="10"/>
-                                        </p:tgtEl>
-                                        <p:attrNameLst>
-                                          <p:attrName>style.visibility</p:attrName>
-                                        </p:attrNameLst>
-                                      </p:cBhvr>
-                                      <p:to>
-                                        <p:strVal val="visible"/>
-                                      </p:to>
-                                    </p:set>
-                                    <p:animEffect transition="in" filter="fade">
-                                      <p:cBhvr>
-                                        <p:cTn id="18" dur="500"/>
-                                        <p:tgtEl>
-                                          <p:spTgt spid="10"/>
-                                        </p:tgtEl>
-                                      </p:cBhvr>
-                                    </p:animEffect>
-                                  </p:childTnLst>
-                                </p:cTn>
-                              </p:par>
-                            </p:childTnLst>
-                          </p:cTn>
-                        </p:par>
-                      </p:childTnLst>
-                    </p:cTn>
-                  </p:par>
-                  <p:par>
-                    <p:cTn id="19" fill="hold">
-                      <p:stCondLst>
-                        <p:cond delay="indefinite"/>
-                      </p:stCondLst>
-                      <p:childTnLst>
-                        <p:par>
-                          <p:cTn id="20" fill="hold">
-                            <p:stCondLst>
-                              <p:cond delay="0"/>
-                            </p:stCondLst>
-                            <p:childTnLst>
-                              <p:par>
-                                <p:cTn id="21" presetID="10" presetClass="entr" presetSubtype="0" fill="hold" nodeType="clickEffect">
-                                  <p:stCondLst>
-                                    <p:cond delay="0"/>
-                                  </p:stCondLst>
-                                  <p:childTnLst>
-                                    <p:set>
-                                      <p:cBhvr>
-                                        <p:cTn id="22" dur="1" fill="hold">
-                                          <p:stCondLst>
-                                            <p:cond delay="0"/>
-                                          </p:stCondLst>
-                                        </p:cTn>
-                                        <p:tgtEl>
-                                          <p:spTgt spid="7"/>
-                                        </p:tgtEl>
-                                        <p:attrNameLst>
-                                          <p:attrName>style.visibility</p:attrName>
-                                        </p:attrNameLst>
-                                      </p:cBhvr>
-                                      <p:to>
-                                        <p:strVal val="visible"/>
-                                      </p:to>
-                                    </p:set>
-                                    <p:animEffect transition="in" filter="fade">
-                                      <p:cBhvr>
-                                        <p:cTn id="23" dur="500"/>
-                                        <p:tgtEl>
-                                          <p:spTgt spid="7"/>
-                                        </p:tgtEl>
-                                      </p:cBhvr>
-                                    </p:animEffect>
-                                  </p:childTnLst>
-                                </p:cTn>
-                              </p:par>
-                            </p:childTnLst>
-                          </p:cTn>
-                        </p:par>
-                      </p:childTnLst>
-                    </p:cTn>
-                  </p:par>
-                </p:childTnLst>
-              </p:cTn>
-              <p:prevCondLst>
-                <p:cond evt="onPrev" delay="0">
-                  <p:tgtEl>
-                    <p:sldTgt/>
-                  </p:tgtEl>
-                </p:cond>
-              </p:prevCondLst>
-              <p:nextCondLst>
-                <p:cond evt="onNext" delay="0">
-                  <p:tgtEl>
-                    <p:sldTgt/>
-                  </p:tgtEl>
-                </p:cond>
-              </p:nextCondLst>
-            </p:seq>
-          </p:childTnLst>
-        </p:cTn>
+        <p:cTn id="1" dur="indefinite" restart="never" nodeType="tmRoot"/>
       </p:par>
     </p:tnLst>
-    <p:bldLst>
-      <p:bldP spid="8" grpId="0" animBg="1"/>
-      <p:bldP spid="10" grpId="0" animBg="1"/>
-    </p:bldLst>
   </p:timing>
 </p:sld>
 </file>
 
 <file path=ppt/slides/slide5.xml><?xml version="1.0" encoding="utf-8"?>
-<p:sld xmlns:a="http://schemas.openxmlformats.org/drawingml/2006/main" xmlns:r="http://schemas.openxmlformats.org/officeDocument/2006/relationships" xmlns:p="http://schemas.openxmlformats.org/presentationml/2006/main">
+<p:sld xmlns:a="http://schemas.openxmlformats.org/drawingml/2006/main" xmlns:r="http://schemas.openxmlformats.org/officeDocument/2006/relationships" xmlns:p="http://schemas.openxmlformats.org/presentationml/2006/main" show="0">
   <p:cSld>
     <p:spTree>
       <p:nvGrpSpPr>
@@ -5980,7 +5720,10 @@
           <a:lstStyle/>
           <a:p>
             <a:r>
-              <a:rPr kumimoji="1" lang="en-US" altLang="ja-JP" dirty="0" smtClean="0"/>
+              <a:rPr kumimoji="1" lang="en-US" altLang="ja-JP" dirty="0" smtClean="0">
+                <a:latin typeface="+mj-ea"/>
+                <a:ea typeface="+mj-ea"/>
+              </a:rPr>
               <a:t>VR</a:t>
             </a:r>
             <a:r>
@@ -6008,16 +5751,22 @@
               <a:rPr kumimoji="1" lang="ja-JP" altLang="en-US" dirty="0" smtClean="0"/>
               <a:t>マシンスペック</a:t>
             </a:r>
+            <a:endParaRPr kumimoji="1" lang="en-US" altLang="ja-JP" dirty="0" smtClean="0"/>
+          </a:p>
+          <a:p>
             <a:endParaRPr lang="en-US" altLang="ja-JP" dirty="0"/>
           </a:p>
           <a:p>
             <a:r>
-              <a:rPr lang="ja-JP" altLang="en-US" dirty="0"/>
-              <a:t>（</a:t>
-            </a:r>
-            <a:r>
-              <a:rPr kumimoji="1" lang="ja-JP" altLang="en-US" dirty="0" smtClean="0"/>
-              <a:t>操作性）</a:t>
+              <a:rPr kumimoji="1" lang="ja-JP" altLang="en-US" dirty="0" smtClean="0"/>
+              <a:t>操作性</a:t>
+            </a:r>
+            <a:endParaRPr kumimoji="1" lang="en-US" altLang="ja-JP" dirty="0" smtClean="0"/>
+          </a:p>
+          <a:p>
+            <a:r>
+              <a:rPr lang="ja-JP" altLang="en-US" dirty="0" smtClean="0"/>
+              <a:t>「豊富な在庫」からの検索・購入</a:t>
             </a:r>
             <a:endParaRPr kumimoji="1" lang="ja-JP" altLang="en-US" dirty="0"/>
           </a:p>
@@ -6057,6 +5806,14 @@
   <p:clrMapOvr>
     <a:masterClrMapping/>
   </p:clrMapOvr>
+  <mc:AlternateContent xmlns:mc="http://schemas.openxmlformats.org/markup-compatibility/2006">
+    <mc:Choice xmlns:p14="http://schemas.microsoft.com/office/powerpoint/2010/main" Requires="p14">
+      <p:transition spd="slow" p14:dur="2000"/>
+    </mc:Choice>
+    <mc:Fallback>
+      <p:transition spd="slow"/>
+    </mc:Fallback>
+  </mc:AlternateContent>
   <p:timing>
     <p:tnLst>
       <p:par>
@@ -6086,35 +5843,12 @@
       </p:grpSpPr>
       <p:sp>
         <p:nvSpPr>
-          <p:cNvPr id="2" name="タイトル 1"/>
+          <p:cNvPr id="5" name="タイトル 4"/>
           <p:cNvSpPr>
             <a:spLocks noGrp="1"/>
           </p:cNvSpPr>
           <p:nvPr>
             <p:ph type="title"/>
-          </p:nvPr>
-        </p:nvSpPr>
-        <p:spPr/>
-        <p:txBody>
-          <a:bodyPr/>
-          <a:lstStyle/>
-          <a:p>
-            <a:r>
-              <a:rPr kumimoji="1" lang="ja-JP" altLang="en-US" dirty="0" smtClean="0"/>
-              <a:t>目的</a:t>
-            </a:r>
-            <a:endParaRPr kumimoji="1" lang="ja-JP" altLang="en-US" dirty="0"/>
-          </a:p>
-        </p:txBody>
-      </p:sp>
-      <p:sp>
-        <p:nvSpPr>
-          <p:cNvPr id="3" name="コンテンツ プレースホルダー 2"/>
-          <p:cNvSpPr>
-            <a:spLocks noGrp="1"/>
-          </p:cNvSpPr>
-          <p:nvPr>
-            <p:ph idx="1"/>
           </p:nvPr>
         </p:nvSpPr>
         <p:spPr/>
@@ -6125,56 +5859,168 @@
           <a:lstStyle/>
           <a:p>
             <a:r>
-              <a:rPr kumimoji="1" lang="ja-JP" altLang="en-US" dirty="0" smtClean="0"/>
-              <a:t>実際に</a:t>
-            </a:r>
-            <a:r>
-              <a:rPr kumimoji="1" lang="en-US" altLang="ja-JP" dirty="0" smtClean="0"/>
+              <a:rPr kumimoji="1" lang="ja-JP" altLang="en-US" sz="4000" dirty="0" smtClean="0"/>
+              <a:t>問題点</a:t>
+            </a:r>
+            <a:endParaRPr kumimoji="1" lang="ja-JP" altLang="en-US" sz="4000" dirty="0"/>
+          </a:p>
+        </p:txBody>
+      </p:sp>
+      <p:sp>
+        <p:nvSpPr>
+          <p:cNvPr id="6" name="コンテンツ プレースホルダー 5"/>
+          <p:cNvSpPr>
+            <a:spLocks noGrp="1"/>
+          </p:cNvSpPr>
+          <p:nvPr>
+            <p:ph sz="half" idx="1"/>
+          </p:nvPr>
+        </p:nvSpPr>
+        <p:spPr/>
+        <p:txBody>
+          <a:bodyPr/>
+          <a:lstStyle/>
+          <a:p>
+            <a:r>
+              <a:rPr kumimoji="1" lang="en-US" altLang="ja-JP" dirty="0" smtClean="0">
+                <a:latin typeface="+mn-ea"/>
+              </a:rPr>
               <a:t>VR</a:t>
             </a:r>
             <a:r>
-              <a:rPr kumimoji="1" lang="ja-JP" altLang="en-US" dirty="0" smtClean="0"/>
-              <a:t>を使ったショッピングサイト</a:t>
-            </a:r>
-            <a:r>
-              <a:rPr kumimoji="1" lang="ja-JP" altLang="en-US" dirty="0" smtClean="0"/>
-              <a:t>を開発</a:t>
-            </a:r>
+              <a:rPr kumimoji="1" lang="ja-JP" altLang="en-US" dirty="0" smtClean="0">
+                <a:latin typeface="+mn-ea"/>
+              </a:rPr>
+              <a:t>コンテンツの問題</a:t>
+            </a:r>
+            <a:endParaRPr kumimoji="1" lang="en-US" altLang="ja-JP" dirty="0" smtClean="0">
+              <a:latin typeface="+mn-ea"/>
+            </a:endParaRPr>
+          </a:p>
+          <a:p>
+            <a:pPr lvl="1">
+              <a:buFontTx/>
+              <a:buChar char="−"/>
+            </a:pPr>
+            <a:r>
+              <a:rPr lang="en-US" altLang="ja-JP" dirty="0" smtClean="0">
+                <a:latin typeface="+mn-ea"/>
+              </a:rPr>
+              <a:t>VR</a:t>
+            </a:r>
+            <a:r>
+              <a:rPr lang="ja-JP" altLang="en-US" dirty="0" smtClean="0">
+                <a:latin typeface="+mn-ea"/>
+              </a:rPr>
+              <a:t>酔い</a:t>
+            </a:r>
+            <a:endParaRPr lang="en-US" altLang="ja-JP" dirty="0" smtClean="0">
+              <a:latin typeface="+mn-ea"/>
+            </a:endParaRPr>
+          </a:p>
+          <a:p>
+            <a:pPr lvl="1">
+              <a:buFontTx/>
+              <a:buChar char="−"/>
+            </a:pPr>
+            <a:r>
+              <a:rPr kumimoji="1" lang="ja-JP" altLang="en-US" dirty="0" smtClean="0">
+                <a:latin typeface="+mn-ea"/>
+              </a:rPr>
+              <a:t>移動</a:t>
+            </a:r>
+            <a:endParaRPr kumimoji="1" lang="en-US" altLang="ja-JP" dirty="0" smtClean="0">
+              <a:latin typeface="+mn-ea"/>
+            </a:endParaRPr>
+          </a:p>
+          <a:p>
+            <a:pPr lvl="1">
+              <a:buFontTx/>
+              <a:buChar char="−"/>
+            </a:pPr>
+            <a:r>
+              <a:rPr lang="ja-JP" altLang="en-US" dirty="0" smtClean="0">
+                <a:latin typeface="+mn-ea"/>
+              </a:rPr>
+              <a:t>スペース</a:t>
+            </a:r>
+            <a:endParaRPr lang="en-US" altLang="ja-JP" dirty="0" smtClean="0">
+              <a:latin typeface="+mn-ea"/>
+            </a:endParaRPr>
+          </a:p>
+          <a:p>
+            <a:pPr lvl="1">
+              <a:buFontTx/>
+              <a:buChar char="−"/>
+            </a:pPr>
+            <a:r>
+              <a:rPr kumimoji="1" lang="ja-JP" altLang="en-US" dirty="0">
+                <a:latin typeface="+mn-ea"/>
+              </a:rPr>
+              <a:t>スペック</a:t>
+            </a:r>
+          </a:p>
+        </p:txBody>
+      </p:sp>
+      <p:sp>
+        <p:nvSpPr>
+          <p:cNvPr id="7" name="コンテンツ プレースホルダー 6"/>
+          <p:cNvSpPr>
+            <a:spLocks noGrp="1"/>
+          </p:cNvSpPr>
+          <p:nvPr>
+            <p:ph sz="half" idx="2"/>
+          </p:nvPr>
+        </p:nvSpPr>
+        <p:spPr/>
+        <p:txBody>
+          <a:bodyPr/>
+          <a:lstStyle/>
+          <a:p>
+            <a:r>
+              <a:rPr kumimoji="1" lang="en-US" altLang="ja-JP" dirty="0" smtClean="0">
+                <a:latin typeface="+mn-ea"/>
+              </a:rPr>
+              <a:t>VR</a:t>
+            </a:r>
+            <a:r>
+              <a:rPr kumimoji="1" lang="ja-JP" altLang="en-US" dirty="0" smtClean="0">
+                <a:latin typeface="+mn-ea"/>
+              </a:rPr>
+              <a:t> </a:t>
+            </a:r>
+            <a:r>
+              <a:rPr kumimoji="1" lang="en-US" altLang="ja-JP" dirty="0" smtClean="0">
+                <a:latin typeface="+mn-ea"/>
+              </a:rPr>
+              <a:t>PARCO</a:t>
+            </a:r>
+            <a:r>
+              <a:rPr kumimoji="1" lang="ja-JP" altLang="en-US" dirty="0" smtClean="0"/>
+              <a:t>の問題</a:t>
+            </a:r>
+            <a:endParaRPr kumimoji="1" lang="en-US" altLang="ja-JP" dirty="0" smtClean="0"/>
+          </a:p>
+          <a:p>
+            <a:pPr lvl="1">
+              <a:buFont typeface="Calibri" panose="020F0502020204030204" pitchFamily="34" charset="0"/>
+              <a:buChar char="−"/>
+            </a:pPr>
             <a:r>
               <a:rPr lang="ja-JP" altLang="en-US" dirty="0" smtClean="0"/>
-              <a:t>し</a:t>
-            </a:r>
-            <a:r>
-              <a:rPr lang="ja-JP" altLang="en-US" dirty="0" smtClean="0"/>
-              <a:t>、</a:t>
+              <a:t>操作性</a:t>
             </a:r>
             <a:endParaRPr lang="en-US" altLang="ja-JP" dirty="0" smtClean="0"/>
           </a:p>
           <a:p>
-            <a:pPr marL="216000" indent="0">
-              <a:buNone/>
+            <a:pPr lvl="1">
+              <a:buFont typeface="Calibri" panose="020F0502020204030204" pitchFamily="34" charset="0"/>
+              <a:buChar char="−"/>
             </a:pPr>
             <a:r>
               <a:rPr kumimoji="1" lang="ja-JP" altLang="en-US" dirty="0" smtClean="0"/>
-              <a:t>問題点・今後の課題・将来性などの調査</a:t>
-            </a:r>
-            <a:endParaRPr kumimoji="1" lang="en-US" altLang="ja-JP" dirty="0" smtClean="0"/>
-          </a:p>
-          <a:p>
-            <a:endParaRPr kumimoji="1" lang="en-US" altLang="ja-JP" sz="2400" dirty="0" smtClean="0"/>
-          </a:p>
-          <a:p>
-            <a:r>
-              <a:rPr lang="ja-JP" altLang="en-US" dirty="0" smtClean="0"/>
-              <a:t>見つかった問題点・課題に対する解決策を</a:t>
-            </a:r>
-            <a:r>
-              <a:rPr lang="ja-JP" altLang="en-US" dirty="0" smtClean="0"/>
-              <a:t>探す</a:t>
-            </a:r>
-            <a:endParaRPr kumimoji="1" lang="en-US" altLang="ja-JP" dirty="0" smtClean="0"/>
-          </a:p>
-          <a:p>
+              <a:t>「豊富な在庫」からの検索・購入</a:t>
+            </a:r>
             <a:endParaRPr kumimoji="1" lang="ja-JP" altLang="en-US" dirty="0"/>
           </a:p>
         </p:txBody>
@@ -6206,7 +6052,7 @@
     </p:spTree>
     <p:extLst>
       <p:ext uri="{BB962C8B-B14F-4D97-AF65-F5344CB8AC3E}">
-        <p14:creationId xmlns:p14="http://schemas.microsoft.com/office/powerpoint/2010/main" val="4091149684"/>
+        <p14:creationId xmlns:p14="http://schemas.microsoft.com/office/powerpoint/2010/main" val="2917784911"/>
       </p:ext>
     </p:extLst>
   </p:cSld>
@@ -6257,7 +6103,7 @@
           <a:p>
             <a:r>
               <a:rPr kumimoji="1" lang="ja-JP" altLang="en-US" dirty="0" smtClean="0"/>
-              <a:t>開発環境</a:t>
+              <a:t>目的</a:t>
             </a:r>
             <a:endParaRPr kumimoji="1" lang="ja-JP" altLang="en-US" dirty="0"/>
           </a:p>
@@ -6280,167 +6126,56 @@
           </a:bodyPr>
           <a:lstStyle/>
           <a:p>
-            <a:endParaRPr kumimoji="1" lang="en-US" altLang="ja-JP" dirty="0" smtClean="0">
-              <a:latin typeface="+mj-ea"/>
-              <a:ea typeface="+mj-ea"/>
-            </a:endParaRPr>
-          </a:p>
-          <a:p>
+            <a:endParaRPr kumimoji="1" lang="en-US" altLang="ja-JP" dirty="0" smtClean="0"/>
+          </a:p>
+          <a:p>
+            <a:r>
+              <a:rPr kumimoji="1" lang="ja-JP" altLang="en-US" dirty="0" smtClean="0"/>
+              <a:t>実際</a:t>
+            </a:r>
+            <a:r>
+              <a:rPr kumimoji="1" lang="ja-JP" altLang="en-US" dirty="0" smtClean="0"/>
+              <a:t>に</a:t>
+            </a:r>
             <a:r>
               <a:rPr kumimoji="1" lang="en-US" altLang="ja-JP" dirty="0" smtClean="0">
                 <a:latin typeface="+mj-ea"/>
                 <a:ea typeface="+mj-ea"/>
               </a:rPr>
-              <a:t>Oculus</a:t>
-            </a:r>
-            <a:r>
-              <a:rPr kumimoji="1" lang="ja-JP" altLang="en-US" dirty="0" smtClean="0">
-                <a:latin typeface="+mj-ea"/>
-                <a:ea typeface="+mj-ea"/>
-              </a:rPr>
-              <a:t> </a:t>
-            </a:r>
-            <a:r>
-              <a:rPr kumimoji="1" lang="en-US" altLang="ja-JP" dirty="0" smtClean="0">
-                <a:latin typeface="+mj-ea"/>
-                <a:ea typeface="+mj-ea"/>
-              </a:rPr>
-              <a:t>Rift</a:t>
-            </a:r>
-            <a:r>
-              <a:rPr kumimoji="1" lang="ja-JP" altLang="en-US" dirty="0" smtClean="0">
-                <a:latin typeface="+mj-ea"/>
-                <a:ea typeface="+mj-ea"/>
-              </a:rPr>
-              <a:t> </a:t>
-            </a:r>
-            <a:r>
-              <a:rPr kumimoji="1" lang="en-US" altLang="ja-JP" dirty="0" smtClean="0">
-                <a:latin typeface="+mj-ea"/>
-                <a:ea typeface="+mj-ea"/>
-              </a:rPr>
-              <a:t>CV1</a:t>
-            </a:r>
-            <a:r>
-              <a:rPr kumimoji="1" lang="ja-JP" altLang="en-US" dirty="0" smtClean="0">
-                <a:latin typeface="+mj-ea"/>
-                <a:ea typeface="+mj-ea"/>
-              </a:rPr>
-              <a:t>　</a:t>
-            </a:r>
-            <a:endParaRPr kumimoji="1" lang="en-US" altLang="ja-JP" dirty="0" smtClean="0">
-              <a:latin typeface="+mj-ea"/>
-              <a:ea typeface="+mj-ea"/>
-            </a:endParaRPr>
-          </a:p>
-          <a:p>
-            <a:endParaRPr lang="en-US" altLang="ja-JP" dirty="0">
-              <a:latin typeface="+mj-ea"/>
-              <a:ea typeface="+mj-ea"/>
-            </a:endParaRPr>
-          </a:p>
-          <a:p>
-            <a:r>
-              <a:rPr kumimoji="1" lang="en-US" altLang="ja-JP" dirty="0" smtClean="0">
-                <a:latin typeface="+mj-ea"/>
-                <a:ea typeface="+mj-ea"/>
-              </a:rPr>
-              <a:t>Oculus</a:t>
-            </a:r>
-            <a:r>
-              <a:rPr kumimoji="1" lang="ja-JP" altLang="en-US" dirty="0" smtClean="0">
-                <a:latin typeface="+mj-ea"/>
-                <a:ea typeface="+mj-ea"/>
-              </a:rPr>
-              <a:t> </a:t>
-            </a:r>
-            <a:r>
-              <a:rPr kumimoji="1" lang="en-US" altLang="ja-JP" dirty="0" smtClean="0">
-                <a:latin typeface="+mj-ea"/>
-                <a:ea typeface="+mj-ea"/>
-              </a:rPr>
-              <a:t>Touch</a:t>
-            </a:r>
-          </a:p>
-          <a:p>
-            <a:endParaRPr lang="en-US" altLang="ja-JP" dirty="0">
-              <a:latin typeface="+mj-ea"/>
-              <a:ea typeface="+mj-ea"/>
-            </a:endParaRPr>
-          </a:p>
-          <a:p>
-            <a:r>
-              <a:rPr kumimoji="1" lang="en-US" altLang="ja-JP" dirty="0" smtClean="0">
-                <a:latin typeface="+mj-ea"/>
-                <a:ea typeface="+mj-ea"/>
-              </a:rPr>
-              <a:t>UNREAL</a:t>
-            </a:r>
-            <a:r>
-              <a:rPr kumimoji="1" lang="ja-JP" altLang="en-US" dirty="0" smtClean="0">
-                <a:latin typeface="+mj-ea"/>
-                <a:ea typeface="+mj-ea"/>
-              </a:rPr>
-              <a:t> </a:t>
-            </a:r>
-            <a:r>
-              <a:rPr kumimoji="1" lang="en-US" altLang="ja-JP" dirty="0" smtClean="0">
-                <a:latin typeface="+mj-ea"/>
-                <a:ea typeface="+mj-ea"/>
-              </a:rPr>
-              <a:t>ENGINE</a:t>
-            </a:r>
-            <a:r>
-              <a:rPr lang="ja-JP" altLang="en-US" dirty="0">
-                <a:latin typeface="+mj-ea"/>
-                <a:ea typeface="+mj-ea"/>
-              </a:rPr>
-              <a:t> </a:t>
-            </a:r>
-            <a:r>
-              <a:rPr kumimoji="1" lang="ja-JP" altLang="en-US" dirty="0" smtClean="0">
-                <a:latin typeface="+mj-ea"/>
-                <a:ea typeface="+mj-ea"/>
-              </a:rPr>
-              <a:t>４</a:t>
-            </a:r>
-            <a:endParaRPr kumimoji="1" lang="en-US" altLang="ja-JP" dirty="0" smtClean="0">
-              <a:latin typeface="+mj-ea"/>
-              <a:ea typeface="+mj-ea"/>
-            </a:endParaRPr>
-          </a:p>
-          <a:p>
-            <a:endParaRPr lang="en-US" altLang="ja-JP" dirty="0">
-              <a:latin typeface="+mj-ea"/>
-              <a:ea typeface="+mj-ea"/>
-            </a:endParaRPr>
-          </a:p>
-          <a:p>
-            <a:r>
-              <a:rPr kumimoji="1" lang="en-US" altLang="ja-JP" dirty="0" smtClean="0">
-                <a:latin typeface="+mj-ea"/>
-                <a:ea typeface="+mj-ea"/>
-              </a:rPr>
-              <a:t>Visual</a:t>
-            </a:r>
-            <a:r>
-              <a:rPr kumimoji="1" lang="ja-JP" altLang="en-US" dirty="0" smtClean="0">
-                <a:latin typeface="+mj-ea"/>
-                <a:ea typeface="+mj-ea"/>
-              </a:rPr>
-              <a:t> </a:t>
-            </a:r>
-            <a:r>
-              <a:rPr kumimoji="1" lang="en-US" altLang="ja-JP" dirty="0" smtClean="0">
-                <a:latin typeface="+mj-ea"/>
-                <a:ea typeface="+mj-ea"/>
-              </a:rPr>
-              <a:t>Studio</a:t>
-            </a:r>
-            <a:endParaRPr kumimoji="1" lang="ja-JP" altLang="en-US" dirty="0">
-              <a:latin typeface="+mj-ea"/>
-              <a:ea typeface="+mj-ea"/>
-            </a:endParaRPr>
+              <a:t>VR</a:t>
+            </a:r>
+            <a:r>
+              <a:rPr kumimoji="1" lang="ja-JP" altLang="en-US" dirty="0" smtClean="0"/>
+              <a:t>を使ったショッピングサイトを開発</a:t>
+            </a:r>
+            <a:r>
+              <a:rPr lang="ja-JP" altLang="en-US" dirty="0" smtClean="0"/>
+              <a:t>し、</a:t>
+            </a:r>
+            <a:endParaRPr lang="en-US" altLang="ja-JP" dirty="0" smtClean="0"/>
+          </a:p>
+          <a:p>
+            <a:pPr marL="216000" indent="0">
+              <a:buNone/>
+            </a:pPr>
+            <a:r>
+              <a:rPr kumimoji="1" lang="ja-JP" altLang="en-US" dirty="0" smtClean="0"/>
+              <a:t>問題点・今後の課題・将来性などの調査</a:t>
+            </a:r>
+            <a:endParaRPr kumimoji="1" lang="en-US" altLang="ja-JP" dirty="0" smtClean="0"/>
+          </a:p>
+          <a:p>
+            <a:endParaRPr kumimoji="1" lang="en-US" altLang="ja-JP" sz="2400" dirty="0" smtClean="0"/>
+          </a:p>
+          <a:p>
+            <a:r>
+              <a:rPr lang="ja-JP" altLang="en-US" dirty="0" smtClean="0"/>
+              <a:t>見つかった問題点・課題に対する解決策を探す</a:t>
+            </a:r>
+            <a:endParaRPr kumimoji="1" lang="en-US" altLang="ja-JP" dirty="0" smtClean="0"/>
+          </a:p>
+          <a:p>
+            <a:endParaRPr kumimoji="1" lang="ja-JP" altLang="en-US" dirty="0"/>
           </a:p>
         </p:txBody>
       </p:sp>
@@ -6471,7 +6206,7 @@
     </p:spTree>
     <p:extLst>
       <p:ext uri="{BB962C8B-B14F-4D97-AF65-F5344CB8AC3E}">
-        <p14:creationId xmlns:p14="http://schemas.microsoft.com/office/powerpoint/2010/main" val="3221152782"/>
+        <p14:creationId xmlns:p14="http://schemas.microsoft.com/office/powerpoint/2010/main" val="4091149684"/>
       </p:ext>
     </p:extLst>
   </p:cSld>
@@ -6522,6 +6257,265 @@
           <a:p>
             <a:r>
               <a:rPr kumimoji="1" lang="ja-JP" altLang="en-US" dirty="0" smtClean="0"/>
+              <a:t>開発環境</a:t>
+            </a:r>
+            <a:endParaRPr kumimoji="1" lang="ja-JP" altLang="en-US" dirty="0"/>
+          </a:p>
+        </p:txBody>
+      </p:sp>
+      <p:sp>
+        <p:nvSpPr>
+          <p:cNvPr id="3" name="コンテンツ プレースホルダー 2"/>
+          <p:cNvSpPr>
+            <a:spLocks noGrp="1"/>
+          </p:cNvSpPr>
+          <p:nvPr>
+            <p:ph idx="1"/>
+          </p:nvPr>
+        </p:nvSpPr>
+        <p:spPr/>
+        <p:txBody>
+          <a:bodyPr>
+            <a:normAutofit/>
+          </a:bodyPr>
+          <a:lstStyle/>
+          <a:p>
+            <a:r>
+              <a:rPr kumimoji="1" lang="en-US" altLang="ja-JP" dirty="0" smtClean="0">
+                <a:latin typeface="+mj-ea"/>
+                <a:ea typeface="+mj-ea"/>
+              </a:rPr>
+              <a:t>Oculus</a:t>
+            </a:r>
+            <a:r>
+              <a:rPr kumimoji="1" lang="ja-JP" altLang="en-US" dirty="0" smtClean="0">
+                <a:latin typeface="+mj-ea"/>
+                <a:ea typeface="+mj-ea"/>
+              </a:rPr>
+              <a:t> </a:t>
+            </a:r>
+            <a:r>
+              <a:rPr kumimoji="1" lang="en-US" altLang="ja-JP" dirty="0" smtClean="0">
+                <a:latin typeface="+mj-ea"/>
+                <a:ea typeface="+mj-ea"/>
+              </a:rPr>
+              <a:t>Rift</a:t>
+            </a:r>
+            <a:r>
+              <a:rPr kumimoji="1" lang="ja-JP" altLang="en-US" dirty="0" smtClean="0">
+                <a:latin typeface="+mj-ea"/>
+                <a:ea typeface="+mj-ea"/>
+              </a:rPr>
+              <a:t> </a:t>
+            </a:r>
+            <a:r>
+              <a:rPr kumimoji="1" lang="en-US" altLang="ja-JP" dirty="0" smtClean="0">
+                <a:latin typeface="+mj-ea"/>
+                <a:ea typeface="+mj-ea"/>
+              </a:rPr>
+              <a:t>CV1</a:t>
+            </a:r>
+            <a:r>
+              <a:rPr kumimoji="1" lang="ja-JP" altLang="en-US" dirty="0" smtClean="0">
+                <a:latin typeface="+mj-ea"/>
+                <a:ea typeface="+mj-ea"/>
+              </a:rPr>
+              <a:t>　</a:t>
+            </a:r>
+            <a:endParaRPr kumimoji="1" lang="en-US" altLang="ja-JP" dirty="0" smtClean="0">
+              <a:latin typeface="+mj-ea"/>
+              <a:ea typeface="+mj-ea"/>
+            </a:endParaRPr>
+          </a:p>
+          <a:p>
+            <a:endParaRPr lang="en-US" altLang="ja-JP" dirty="0">
+              <a:latin typeface="+mj-ea"/>
+              <a:ea typeface="+mj-ea"/>
+            </a:endParaRPr>
+          </a:p>
+          <a:p>
+            <a:r>
+              <a:rPr kumimoji="1" lang="en-US" altLang="ja-JP" dirty="0" smtClean="0">
+                <a:latin typeface="+mj-ea"/>
+                <a:ea typeface="+mj-ea"/>
+              </a:rPr>
+              <a:t>Oculus</a:t>
+            </a:r>
+            <a:r>
+              <a:rPr kumimoji="1" lang="ja-JP" altLang="en-US" dirty="0" smtClean="0">
+                <a:latin typeface="+mj-ea"/>
+                <a:ea typeface="+mj-ea"/>
+              </a:rPr>
+              <a:t> </a:t>
+            </a:r>
+            <a:r>
+              <a:rPr kumimoji="1" lang="en-US" altLang="ja-JP" dirty="0" smtClean="0">
+                <a:latin typeface="+mj-ea"/>
+                <a:ea typeface="+mj-ea"/>
+              </a:rPr>
+              <a:t>Touch</a:t>
+            </a:r>
+          </a:p>
+          <a:p>
+            <a:endParaRPr lang="en-US" altLang="ja-JP" dirty="0">
+              <a:latin typeface="+mj-ea"/>
+              <a:ea typeface="+mj-ea"/>
+            </a:endParaRPr>
+          </a:p>
+          <a:p>
+            <a:r>
+              <a:rPr kumimoji="1" lang="en-US" altLang="ja-JP" dirty="0" smtClean="0">
+                <a:latin typeface="+mj-ea"/>
+                <a:ea typeface="+mj-ea"/>
+              </a:rPr>
+              <a:t>UNREAL</a:t>
+            </a:r>
+            <a:r>
+              <a:rPr kumimoji="1" lang="ja-JP" altLang="en-US" dirty="0" smtClean="0">
+                <a:latin typeface="+mj-ea"/>
+                <a:ea typeface="+mj-ea"/>
+              </a:rPr>
+              <a:t> </a:t>
+            </a:r>
+            <a:r>
+              <a:rPr kumimoji="1" lang="en-US" altLang="ja-JP" dirty="0" smtClean="0">
+                <a:latin typeface="+mj-ea"/>
+                <a:ea typeface="+mj-ea"/>
+              </a:rPr>
+              <a:t>ENGINE</a:t>
+            </a:r>
+            <a:r>
+              <a:rPr lang="ja-JP" altLang="en-US" dirty="0">
+                <a:latin typeface="+mj-ea"/>
+                <a:ea typeface="+mj-ea"/>
+              </a:rPr>
+              <a:t> </a:t>
+            </a:r>
+            <a:r>
+              <a:rPr kumimoji="1" lang="ja-JP" altLang="en-US" dirty="0" smtClean="0">
+                <a:latin typeface="+mj-ea"/>
+                <a:ea typeface="+mj-ea"/>
+              </a:rPr>
+              <a:t>４</a:t>
+            </a:r>
+            <a:endParaRPr kumimoji="1" lang="en-US" altLang="ja-JP" dirty="0" smtClean="0">
+              <a:latin typeface="+mj-ea"/>
+              <a:ea typeface="+mj-ea"/>
+            </a:endParaRPr>
+          </a:p>
+          <a:p>
+            <a:endParaRPr lang="en-US" altLang="ja-JP" dirty="0">
+              <a:latin typeface="+mj-ea"/>
+              <a:ea typeface="+mj-ea"/>
+            </a:endParaRPr>
+          </a:p>
+          <a:p>
+            <a:r>
+              <a:rPr kumimoji="1" lang="en-US" altLang="ja-JP" dirty="0" smtClean="0">
+                <a:latin typeface="+mj-ea"/>
+                <a:ea typeface="+mj-ea"/>
+              </a:rPr>
+              <a:t>Visual</a:t>
+            </a:r>
+            <a:r>
+              <a:rPr kumimoji="1" lang="ja-JP" altLang="en-US" dirty="0" smtClean="0">
+                <a:latin typeface="+mj-ea"/>
+                <a:ea typeface="+mj-ea"/>
+              </a:rPr>
+              <a:t> </a:t>
+            </a:r>
+            <a:r>
+              <a:rPr kumimoji="1" lang="en-US" altLang="ja-JP" dirty="0" smtClean="0">
+                <a:latin typeface="+mj-ea"/>
+                <a:ea typeface="+mj-ea"/>
+              </a:rPr>
+              <a:t>Studio</a:t>
+            </a:r>
+            <a:endParaRPr kumimoji="1" lang="ja-JP" altLang="en-US" dirty="0">
+              <a:latin typeface="+mj-ea"/>
+              <a:ea typeface="+mj-ea"/>
+            </a:endParaRPr>
+          </a:p>
+        </p:txBody>
+      </p:sp>
+      <p:sp>
+        <p:nvSpPr>
+          <p:cNvPr id="4" name="スライド番号プレースホルダー 3"/>
+          <p:cNvSpPr>
+            <a:spLocks noGrp="1"/>
+          </p:cNvSpPr>
+          <p:nvPr>
+            <p:ph type="sldNum" sz="quarter" idx="12"/>
+          </p:nvPr>
+        </p:nvSpPr>
+        <p:spPr/>
+        <p:txBody>
+          <a:bodyPr/>
+          <a:lstStyle/>
+          <a:p>
+            <a:fld id="{E3029707-8757-4610-92E9-02704EFB7568}" type="slidenum">
+              <a:rPr lang="ja-JP" altLang="en-US" smtClean="0"/>
+              <a:pPr/>
+              <a:t>8</a:t>
+            </a:fld>
+            <a:endParaRPr lang="ja-JP" altLang="en-US" dirty="0"/>
+          </a:p>
+        </p:txBody>
+      </p:sp>
+    </p:spTree>
+    <p:extLst>
+      <p:ext uri="{BB962C8B-B14F-4D97-AF65-F5344CB8AC3E}">
+        <p14:creationId xmlns:p14="http://schemas.microsoft.com/office/powerpoint/2010/main" val="3221152782"/>
+      </p:ext>
+    </p:extLst>
+  </p:cSld>
+  <p:clrMapOvr>
+    <a:masterClrMapping/>
+  </p:clrMapOvr>
+  <p:timing>
+    <p:tnLst>
+      <p:par>
+        <p:cTn id="1" dur="indefinite" restart="never" nodeType="tmRoot"/>
+      </p:par>
+    </p:tnLst>
+  </p:timing>
+</p:sld>
+</file>
+
+<file path=ppt/slides/slide9.xml><?xml version="1.0" encoding="utf-8"?>
+<p:sld xmlns:a="http://schemas.openxmlformats.org/drawingml/2006/main" xmlns:r="http://schemas.openxmlformats.org/officeDocument/2006/relationships" xmlns:p="http://schemas.openxmlformats.org/presentationml/2006/main">
+  <p:cSld>
+    <p:spTree>
+      <p:nvGrpSpPr>
+        <p:cNvPr id="1" name=""/>
+        <p:cNvGrpSpPr/>
+        <p:nvPr/>
+      </p:nvGrpSpPr>
+      <p:grpSpPr>
+        <a:xfrm>
+          <a:off x="0" y="0"/>
+          <a:ext cx="0" cy="0"/>
+          <a:chOff x="0" y="0"/>
+          <a:chExt cx="0" cy="0"/>
+        </a:xfrm>
+      </p:grpSpPr>
+      <p:sp>
+        <p:nvSpPr>
+          <p:cNvPr id="2" name="タイトル 1"/>
+          <p:cNvSpPr>
+            <a:spLocks noGrp="1"/>
+          </p:cNvSpPr>
+          <p:nvPr>
+            <p:ph type="title"/>
+          </p:nvPr>
+        </p:nvSpPr>
+        <p:spPr/>
+        <p:txBody>
+          <a:bodyPr/>
+          <a:lstStyle/>
+          <a:p>
+            <a:r>
+              <a:rPr kumimoji="1" lang="ja-JP" altLang="en-US" dirty="0" smtClean="0"/>
               <a:t>今後の予定</a:t>
             </a:r>
             <a:endParaRPr kumimoji="1" lang="ja-JP" altLang="en-US" dirty="0"/>
@@ -6548,7 +6542,10 @@
               <a:t>既存の</a:t>
             </a:r>
             <a:r>
-              <a:rPr kumimoji="1" lang="en-US" altLang="ja-JP" dirty="0" smtClean="0"/>
+              <a:rPr kumimoji="1" lang="en-US" altLang="ja-JP" dirty="0" smtClean="0">
+                <a:latin typeface="+mj-ea"/>
+                <a:ea typeface="+mj-ea"/>
+              </a:rPr>
               <a:t>VR</a:t>
             </a:r>
             <a:r>
@@ -6600,7 +6597,7 @@
             <a:fld id="{E3029707-8757-4610-92E9-02704EFB7568}" type="slidenum">
               <a:rPr lang="ja-JP" altLang="en-US" smtClean="0"/>
               <a:pPr/>
-              <a:t>8</a:t>
+              <a:t>9</a:t>
             </a:fld>
             <a:endParaRPr lang="ja-JP" altLang="en-US" dirty="0"/>
           </a:p>

--- a/スライド/20170720_中間発表.pptx
+++ b/スライド/20170720_中間発表.pptx
@@ -205,7 +205,7 @@
           <a:p>
             <a:fld id="{2AB0F3B0-C918-4BD8-9B0E-9EF45F862D8F}" type="datetimeFigureOut">
               <a:rPr kumimoji="1" lang="ja-JP" altLang="en-US" smtClean="0"/>
-              <a:t>2017/7/21</a:t>
+              <a:t>2017/7/24</a:t>
             </a:fld>
             <a:endParaRPr kumimoji="1" lang="ja-JP" altLang="en-US"/>
           </a:p>
@@ -1742,7 +1742,7 @@
           <a:p>
             <a:fld id="{2FFC807F-32EB-4C8B-9E7F-2C847871CBAD}" type="datetime1">
               <a:rPr kumimoji="1" lang="ja-JP" altLang="en-US" smtClean="0"/>
-              <a:t>2017/7/21</a:t>
+              <a:t>2017/7/24</a:t>
             </a:fld>
             <a:endParaRPr kumimoji="1" lang="ja-JP" altLang="en-US"/>
           </a:p>
@@ -1949,7 +1949,7 @@
           <a:p>
             <a:fld id="{942386A2-4E2D-4EED-BD2D-A6400E084FB6}" type="datetime1">
               <a:rPr kumimoji="1" lang="ja-JP" altLang="en-US" smtClean="0"/>
-              <a:t>2017/7/21</a:t>
+              <a:t>2017/7/24</a:t>
             </a:fld>
             <a:endParaRPr kumimoji="1" lang="ja-JP" altLang="en-US"/>
           </a:p>
@@ -2161,7 +2161,7 @@
           <a:p>
             <a:fld id="{66834798-1652-4ADD-BCA3-FAF052D29263}" type="datetime1">
               <a:rPr kumimoji="1" lang="ja-JP" altLang="en-US" smtClean="0"/>
-              <a:t>2017/7/21</a:t>
+              <a:t>2017/7/24</a:t>
             </a:fld>
             <a:endParaRPr kumimoji="1" lang="ja-JP" altLang="en-US"/>
           </a:p>
@@ -2387,7 +2387,7 @@
           <a:p>
             <a:fld id="{2552E5EE-F6E0-4213-B0AE-26278F523F00}" type="datetime1">
               <a:rPr kumimoji="1" lang="ja-JP" altLang="en-US" smtClean="0"/>
-              <a:t>2017/7/21</a:t>
+              <a:t>2017/7/24</a:t>
             </a:fld>
             <a:endParaRPr kumimoji="1" lang="ja-JP" altLang="en-US"/>
           </a:p>
@@ -2638,7 +2638,7 @@
           <a:p>
             <a:fld id="{446B26C8-EA2E-4375-95B7-121F9F3E3456}" type="datetime1">
               <a:rPr kumimoji="1" lang="ja-JP" altLang="en-US" smtClean="0"/>
-              <a:t>2017/7/21</a:t>
+              <a:t>2017/7/24</a:t>
             </a:fld>
             <a:endParaRPr kumimoji="1" lang="ja-JP" altLang="en-US"/>
           </a:p>
@@ -2934,7 +2934,7 @@
           <a:p>
             <a:fld id="{FBDF6C5D-F402-4BD4-AC42-DA8CA699D43B}" type="datetime1">
               <a:rPr kumimoji="1" lang="ja-JP" altLang="en-US" smtClean="0"/>
-              <a:t>2017/7/21</a:t>
+              <a:t>2017/7/24</a:t>
             </a:fld>
             <a:endParaRPr kumimoji="1" lang="ja-JP" altLang="en-US"/>
           </a:p>
@@ -3370,7 +3370,7 @@
           <a:p>
             <a:fld id="{227A858C-44B4-4822-BEAB-5E5E24169D18}" type="datetime1">
               <a:rPr kumimoji="1" lang="ja-JP" altLang="en-US" smtClean="0"/>
-              <a:t>2017/7/21</a:t>
+              <a:t>2017/7/24</a:t>
             </a:fld>
             <a:endParaRPr kumimoji="1" lang="ja-JP" altLang="en-US"/>
           </a:p>
@@ -3488,7 +3488,7 @@
           <a:p>
             <a:fld id="{672F741D-D308-4282-97E7-4E1A72876DD6}" type="datetime1">
               <a:rPr kumimoji="1" lang="ja-JP" altLang="en-US" smtClean="0"/>
-              <a:t>2017/7/21</a:t>
+              <a:t>2017/7/24</a:t>
             </a:fld>
             <a:endParaRPr kumimoji="1" lang="ja-JP" altLang="en-US"/>
           </a:p>
@@ -3583,7 +3583,7 @@
           <a:p>
             <a:fld id="{A7C447B5-D3BD-42D7-82BC-C0BA27811551}" type="datetime1">
               <a:rPr kumimoji="1" lang="ja-JP" altLang="en-US" smtClean="0"/>
-              <a:t>2017/7/21</a:t>
+              <a:t>2017/7/24</a:t>
             </a:fld>
             <a:endParaRPr kumimoji="1" lang="ja-JP" altLang="en-US"/>
           </a:p>
@@ -3892,7 +3892,7 @@
           <a:p>
             <a:fld id="{8A1ACD27-3C07-47B0-966D-BB3E9026DC73}" type="datetime1">
               <a:rPr kumimoji="1" lang="ja-JP" altLang="en-US" smtClean="0"/>
-              <a:t>2017/7/21</a:t>
+              <a:t>2017/7/24</a:t>
             </a:fld>
             <a:endParaRPr kumimoji="1" lang="ja-JP" altLang="en-US"/>
           </a:p>
@@ -4145,7 +4145,7 @@
           <a:p>
             <a:fld id="{7B1AF852-3E19-4E7E-923F-94BF36185D82}" type="datetime1">
               <a:rPr kumimoji="1" lang="ja-JP" altLang="en-US" smtClean="0"/>
-              <a:t>2017/7/21</a:t>
+              <a:t>2017/7/24</a:t>
             </a:fld>
             <a:endParaRPr kumimoji="1" lang="ja-JP" altLang="en-US"/>
           </a:p>
@@ -4390,7 +4390,7 @@
           <a:p>
             <a:fld id="{4C9DA2F8-DBE4-4EAD-AC89-4041B91160A2}" type="datetime1">
               <a:rPr kumimoji="1" lang="ja-JP" altLang="en-US" smtClean="0"/>
-              <a:t>2017/7/21</a:t>
+              <a:t>2017/7/24</a:t>
             </a:fld>
             <a:endParaRPr kumimoji="1" lang="ja-JP" altLang="en-US"/>
           </a:p>
@@ -4857,34 +4857,56 @@
           <a:p>
             <a:pPr algn="r"/>
             <a:r>
-              <a:rPr kumimoji="1" lang="ja-JP" altLang="en-US" dirty="0" smtClean="0"/>
+              <a:rPr kumimoji="1" lang="ja-JP" altLang="en-US" dirty="0" smtClean="0">
+                <a:latin typeface="+mn-ea"/>
+              </a:rPr>
               <a:t>山地研究室 </a:t>
             </a:r>
             <a:r>
-              <a:rPr kumimoji="1" lang="en-US" altLang="ja-JP" dirty="0" smtClean="0"/>
+              <a:rPr kumimoji="1" lang="en-US" altLang="ja-JP" dirty="0" smtClean="0">
+                <a:latin typeface="+mn-ea"/>
+              </a:rPr>
               <a:t>1145446</a:t>
             </a:r>
             <a:r>
-              <a:rPr kumimoji="1" lang="ja-JP" altLang="en-US" dirty="0" smtClean="0"/>
+              <a:rPr kumimoji="1" lang="ja-JP" altLang="en-US" dirty="0" smtClean="0">
+                <a:latin typeface="+mn-ea"/>
+              </a:rPr>
               <a:t> 山崎孝太</a:t>
             </a:r>
-            <a:endParaRPr kumimoji="1" lang="en-US" altLang="ja-JP" dirty="0" smtClean="0"/>
+            <a:endParaRPr kumimoji="1" lang="en-US" altLang="ja-JP" dirty="0" smtClean="0">
+              <a:latin typeface="+mn-ea"/>
+            </a:endParaRPr>
           </a:p>
           <a:p>
             <a:pPr algn="r"/>
             <a:r>
-              <a:rPr lang="en-US" altLang="ja-JP" dirty="0" smtClean="0"/>
+              <a:rPr lang="en-US" altLang="ja-JP" dirty="0" smtClean="0">
+                <a:latin typeface="+mn-ea"/>
+              </a:rPr>
               <a:t>1145119</a:t>
             </a:r>
             <a:r>
-              <a:rPr lang="ja-JP" altLang="en-US" dirty="0"/>
+              <a:rPr lang="ja-JP" altLang="en-US" dirty="0">
+                <a:latin typeface="+mn-ea"/>
+              </a:rPr>
               <a:t> </a:t>
             </a:r>
             <a:r>
-              <a:rPr lang="ja-JP" altLang="en-US" dirty="0" smtClean="0"/>
-              <a:t>稲星    卓</a:t>
-            </a:r>
-            <a:endParaRPr kumimoji="1" lang="ja-JP" altLang="en-US" dirty="0"/>
+              <a:rPr lang="ja-JP" altLang="en-US" smtClean="0">
+                <a:latin typeface="+mn-ea"/>
+              </a:rPr>
+              <a:t>稲</a:t>
+            </a:r>
+            <a:r>
+              <a:rPr lang="ja-JP" altLang="en-US" smtClean="0">
+                <a:latin typeface="+mn-ea"/>
+              </a:rPr>
+              <a:t>星   卓</a:t>
+            </a:r>
+            <a:endParaRPr kumimoji="1" lang="ja-JP" altLang="en-US" dirty="0">
+              <a:latin typeface="+mn-ea"/>
+            </a:endParaRPr>
           </a:p>
         </p:txBody>
       </p:sp>
@@ -5806,11 +5828,11 @@
   <p:clrMapOvr>
     <a:masterClrMapping/>
   </p:clrMapOvr>
-  <mc:AlternateContent xmlns:mc="http://schemas.openxmlformats.org/markup-compatibility/2006">
-    <mc:Choice xmlns:p14="http://schemas.microsoft.com/office/powerpoint/2010/main" Requires="p14">
+  <mc:AlternateContent xmlns:mc="http://schemas.openxmlformats.org/markup-compatibility/2006" xmlns:p14="http://schemas.microsoft.com/office/powerpoint/2010/main">
+    <mc:Choice Requires="p14">
       <p:transition spd="slow" p14:dur="2000"/>
     </mc:Choice>
-    <mc:Fallback>
+    <mc:Fallback xmlns="">
       <p:transition spd="slow"/>
     </mc:Fallback>
   </mc:AlternateContent>
@@ -6131,11 +6153,7 @@
           <a:p>
             <a:r>
               <a:rPr kumimoji="1" lang="ja-JP" altLang="en-US" dirty="0" smtClean="0"/>
-              <a:t>実際</a:t>
-            </a:r>
-            <a:r>
-              <a:rPr kumimoji="1" lang="ja-JP" altLang="en-US" dirty="0" smtClean="0"/>
-              <a:t>に</a:t>
+              <a:t>実際に</a:t>
             </a:r>
             <a:r>
               <a:rPr kumimoji="1" lang="en-US" altLang="ja-JP" dirty="0" smtClean="0">

--- a/スライド/20170720_中間発表.pptx
+++ b/スライド/20170720_中間発表.pptx
@@ -5,7 +5,7 @@
     <p:sldMasterId id="2147483648" r:id="rId1"/>
   </p:sldMasterIdLst>
   <p:notesMasterIdLst>
-    <p:notesMasterId r:id="rId11"/>
+    <p:notesMasterId r:id="rId9"/>
   </p:notesMasterIdLst>
   <p:sldIdLst>
     <p:sldId id="256" r:id="rId2"/>
@@ -13,10 +13,8 @@
     <p:sldId id="262" r:id="rId4"/>
     <p:sldId id="264" r:id="rId5"/>
     <p:sldId id="268" r:id="rId6"/>
-    <p:sldId id="271" r:id="rId7"/>
-    <p:sldId id="265" r:id="rId8"/>
-    <p:sldId id="266" r:id="rId9"/>
-    <p:sldId id="270" r:id="rId10"/>
+    <p:sldId id="265" r:id="rId7"/>
+    <p:sldId id="270" r:id="rId8"/>
   </p:sldIdLst>
   <p:sldSz cx="12192000" cy="6858000"/>
   <p:notesSz cx="6858000" cy="9144000"/>
@@ -205,7 +203,7 @@
           <a:p>
             <a:fld id="{2AB0F3B0-C918-4BD8-9B0E-9EF45F862D8F}" type="datetimeFigureOut">
               <a:rPr kumimoji="1" lang="ja-JP" altLang="en-US" smtClean="0"/>
-              <a:t>2017/7/21</a:t>
+              <a:t>2017/7/28</a:t>
             </a:fld>
             <a:endParaRPr kumimoji="1" lang="ja-JP" altLang="en-US"/>
           </a:p>
@@ -1392,7 +1390,7 @@
           <a:p>
             <a:fld id="{A8E18179-35A5-492F-B847-985618F55178}" type="slidenum">
               <a:rPr kumimoji="1" lang="ja-JP" altLang="en-US" smtClean="0"/>
-              <a:t>7</a:t>
+              <a:t>6</a:t>
             </a:fld>
             <a:endParaRPr kumimoji="1" lang="ja-JP" altLang="en-US"/>
           </a:p>
@@ -1455,90 +1453,6 @@
           <a:bodyPr/>
           <a:lstStyle/>
           <a:p>
-            <a:endParaRPr kumimoji="1" lang="ja-JP" altLang="en-US" dirty="0"/>
-          </a:p>
-        </p:txBody>
-      </p:sp>
-      <p:sp>
-        <p:nvSpPr>
-          <p:cNvPr id="4" name="スライド番号プレースホルダー 3"/>
-          <p:cNvSpPr>
-            <a:spLocks noGrp="1"/>
-          </p:cNvSpPr>
-          <p:nvPr>
-            <p:ph type="sldNum" sz="quarter" idx="10"/>
-          </p:nvPr>
-        </p:nvSpPr>
-        <p:spPr/>
-        <p:txBody>
-          <a:bodyPr/>
-          <a:lstStyle/>
-          <a:p>
-            <a:fld id="{A8E18179-35A5-492F-B847-985618F55178}" type="slidenum">
-              <a:rPr kumimoji="1" lang="ja-JP" altLang="en-US" smtClean="0"/>
-              <a:t>8</a:t>
-            </a:fld>
-            <a:endParaRPr kumimoji="1" lang="ja-JP" altLang="en-US"/>
-          </a:p>
-        </p:txBody>
-      </p:sp>
-    </p:spTree>
-    <p:extLst>
-      <p:ext uri="{BB962C8B-B14F-4D97-AF65-F5344CB8AC3E}">
-        <p14:creationId xmlns:p14="http://schemas.microsoft.com/office/powerpoint/2010/main" val="2636455883"/>
-      </p:ext>
-    </p:extLst>
-  </p:cSld>
-  <p:clrMapOvr>
-    <a:masterClrMapping/>
-  </p:clrMapOvr>
-</p:notes>
-</file>
-
-<file path=ppt/notesSlides/notesSlide7.xml><?xml version="1.0" encoding="utf-8"?>
-<p:notes xmlns:a="http://schemas.openxmlformats.org/drawingml/2006/main" xmlns:r="http://schemas.openxmlformats.org/officeDocument/2006/relationships" xmlns:p="http://schemas.openxmlformats.org/presentationml/2006/main">
-  <p:cSld>
-    <p:spTree>
-      <p:nvGrpSpPr>
-        <p:cNvPr id="1" name=""/>
-        <p:cNvGrpSpPr/>
-        <p:nvPr/>
-      </p:nvGrpSpPr>
-      <p:grpSpPr>
-        <a:xfrm>
-          <a:off x="0" y="0"/>
-          <a:ext cx="0" cy="0"/>
-          <a:chOff x="0" y="0"/>
-          <a:chExt cx="0" cy="0"/>
-        </a:xfrm>
-      </p:grpSpPr>
-      <p:sp>
-        <p:nvSpPr>
-          <p:cNvPr id="2" name="スライド イメージ プレースホルダー 1"/>
-          <p:cNvSpPr>
-            <a:spLocks noGrp="1" noRot="1" noChangeAspect="1"/>
-          </p:cNvSpPr>
-          <p:nvPr>
-            <p:ph type="sldImg"/>
-          </p:nvPr>
-        </p:nvSpPr>
-        <p:spPr/>
-      </p:sp>
-      <p:sp>
-        <p:nvSpPr>
-          <p:cNvPr id="3" name="ノート プレースホルダー 2"/>
-          <p:cNvSpPr>
-            <a:spLocks noGrp="1"/>
-          </p:cNvSpPr>
-          <p:nvPr>
-            <p:ph type="body" idx="1"/>
-          </p:nvPr>
-        </p:nvSpPr>
-        <p:spPr/>
-        <p:txBody>
-          <a:bodyPr/>
-          <a:lstStyle/>
-          <a:p>
             <a:r>
               <a:rPr kumimoji="1" lang="ja-JP" altLang="en-US" dirty="0" smtClean="0"/>
               <a:t>既存の</a:t>
@@ -1592,7 +1506,7 @@
           <a:p>
             <a:fld id="{A8E18179-35A5-492F-B847-985618F55178}" type="slidenum">
               <a:rPr kumimoji="1" lang="ja-JP" altLang="en-US" smtClean="0"/>
-              <a:t>9</a:t>
+              <a:t>7</a:t>
             </a:fld>
             <a:endParaRPr kumimoji="1" lang="ja-JP" altLang="en-US"/>
           </a:p>
@@ -1742,7 +1656,7 @@
           <a:p>
             <a:fld id="{2FFC807F-32EB-4C8B-9E7F-2C847871CBAD}" type="datetime1">
               <a:rPr kumimoji="1" lang="ja-JP" altLang="en-US" smtClean="0"/>
-              <a:t>2017/7/21</a:t>
+              <a:t>2017/7/28</a:t>
             </a:fld>
             <a:endParaRPr kumimoji="1" lang="ja-JP" altLang="en-US"/>
           </a:p>
@@ -1949,7 +1863,7 @@
           <a:p>
             <a:fld id="{942386A2-4E2D-4EED-BD2D-A6400E084FB6}" type="datetime1">
               <a:rPr kumimoji="1" lang="ja-JP" altLang="en-US" smtClean="0"/>
-              <a:t>2017/7/21</a:t>
+              <a:t>2017/7/28</a:t>
             </a:fld>
             <a:endParaRPr kumimoji="1" lang="ja-JP" altLang="en-US"/>
           </a:p>
@@ -2161,7 +2075,7 @@
           <a:p>
             <a:fld id="{66834798-1652-4ADD-BCA3-FAF052D29263}" type="datetime1">
               <a:rPr kumimoji="1" lang="ja-JP" altLang="en-US" smtClean="0"/>
-              <a:t>2017/7/21</a:t>
+              <a:t>2017/7/28</a:t>
             </a:fld>
             <a:endParaRPr kumimoji="1" lang="ja-JP" altLang="en-US"/>
           </a:p>
@@ -2387,7 +2301,7 @@
           <a:p>
             <a:fld id="{2552E5EE-F6E0-4213-B0AE-26278F523F00}" type="datetime1">
               <a:rPr kumimoji="1" lang="ja-JP" altLang="en-US" smtClean="0"/>
-              <a:t>2017/7/21</a:t>
+              <a:t>2017/7/28</a:t>
             </a:fld>
             <a:endParaRPr kumimoji="1" lang="ja-JP" altLang="en-US"/>
           </a:p>
@@ -2638,7 +2552,7 @@
           <a:p>
             <a:fld id="{446B26C8-EA2E-4375-95B7-121F9F3E3456}" type="datetime1">
               <a:rPr kumimoji="1" lang="ja-JP" altLang="en-US" smtClean="0"/>
-              <a:t>2017/7/21</a:t>
+              <a:t>2017/7/28</a:t>
             </a:fld>
             <a:endParaRPr kumimoji="1" lang="ja-JP" altLang="en-US"/>
           </a:p>
@@ -2934,7 +2848,7 @@
           <a:p>
             <a:fld id="{FBDF6C5D-F402-4BD4-AC42-DA8CA699D43B}" type="datetime1">
               <a:rPr kumimoji="1" lang="ja-JP" altLang="en-US" smtClean="0"/>
-              <a:t>2017/7/21</a:t>
+              <a:t>2017/7/28</a:t>
             </a:fld>
             <a:endParaRPr kumimoji="1" lang="ja-JP" altLang="en-US"/>
           </a:p>
@@ -3370,7 +3284,7 @@
           <a:p>
             <a:fld id="{227A858C-44B4-4822-BEAB-5E5E24169D18}" type="datetime1">
               <a:rPr kumimoji="1" lang="ja-JP" altLang="en-US" smtClean="0"/>
-              <a:t>2017/7/21</a:t>
+              <a:t>2017/7/28</a:t>
             </a:fld>
             <a:endParaRPr kumimoji="1" lang="ja-JP" altLang="en-US"/>
           </a:p>
@@ -3488,7 +3402,7 @@
           <a:p>
             <a:fld id="{672F741D-D308-4282-97E7-4E1A72876DD6}" type="datetime1">
               <a:rPr kumimoji="1" lang="ja-JP" altLang="en-US" smtClean="0"/>
-              <a:t>2017/7/21</a:t>
+              <a:t>2017/7/28</a:t>
             </a:fld>
             <a:endParaRPr kumimoji="1" lang="ja-JP" altLang="en-US"/>
           </a:p>
@@ -3583,7 +3497,7 @@
           <a:p>
             <a:fld id="{A7C447B5-D3BD-42D7-82BC-C0BA27811551}" type="datetime1">
               <a:rPr kumimoji="1" lang="ja-JP" altLang="en-US" smtClean="0"/>
-              <a:t>2017/7/21</a:t>
+              <a:t>2017/7/28</a:t>
             </a:fld>
             <a:endParaRPr kumimoji="1" lang="ja-JP" altLang="en-US"/>
           </a:p>
@@ -3892,7 +3806,7 @@
           <a:p>
             <a:fld id="{8A1ACD27-3C07-47B0-966D-BB3E9026DC73}" type="datetime1">
               <a:rPr kumimoji="1" lang="ja-JP" altLang="en-US" smtClean="0"/>
-              <a:t>2017/7/21</a:t>
+              <a:t>2017/7/28</a:t>
             </a:fld>
             <a:endParaRPr kumimoji="1" lang="ja-JP" altLang="en-US"/>
           </a:p>
@@ -4145,7 +4059,7 @@
           <a:p>
             <a:fld id="{7B1AF852-3E19-4E7E-923F-94BF36185D82}" type="datetime1">
               <a:rPr kumimoji="1" lang="ja-JP" altLang="en-US" smtClean="0"/>
-              <a:t>2017/7/21</a:t>
+              <a:t>2017/7/28</a:t>
             </a:fld>
             <a:endParaRPr kumimoji="1" lang="ja-JP" altLang="en-US"/>
           </a:p>
@@ -4390,7 +4304,7 @@
           <a:p>
             <a:fld id="{4C9DA2F8-DBE4-4EAD-AC89-4041B91160A2}" type="datetime1">
               <a:rPr kumimoji="1" lang="ja-JP" altLang="en-US" smtClean="0"/>
-              <a:t>2017/7/21</a:t>
+              <a:t>2017/7/28</a:t>
             </a:fld>
             <a:endParaRPr kumimoji="1" lang="ja-JP" altLang="en-US"/>
           </a:p>
@@ -5663,7 +5577,7 @@
 </file>
 
 <file path=ppt/slides/slide5.xml><?xml version="1.0" encoding="utf-8"?>
-<p:sld xmlns:a="http://schemas.openxmlformats.org/drawingml/2006/main" xmlns:r="http://schemas.openxmlformats.org/officeDocument/2006/relationships" xmlns:p="http://schemas.openxmlformats.org/presentationml/2006/main" show="0">
+<p:sld xmlns:a="http://schemas.openxmlformats.org/drawingml/2006/main" xmlns:r="http://schemas.openxmlformats.org/officeDocument/2006/relationships" xmlns:p="http://schemas.openxmlformats.org/presentationml/2006/main">
   <p:cSld>
     <p:spTree>
       <p:nvGrpSpPr>
@@ -5754,21 +5668,73 @@
             <a:endParaRPr kumimoji="1" lang="en-US" altLang="ja-JP" dirty="0" smtClean="0"/>
           </a:p>
           <a:p>
+            <a:r>
+              <a:rPr lang="en-US" altLang="ja-JP" dirty="0" smtClean="0">
+                <a:latin typeface="+mj-ea"/>
+                <a:ea typeface="+mj-ea"/>
+              </a:rPr>
+              <a:t>VR</a:t>
+            </a:r>
+            <a:r>
+              <a:rPr lang="ja-JP" altLang="en-US" dirty="0" smtClean="0">
+                <a:latin typeface="+mj-ea"/>
+                <a:ea typeface="+mj-ea"/>
+              </a:rPr>
+              <a:t> </a:t>
+            </a:r>
+            <a:r>
+              <a:rPr lang="en-US" altLang="ja-JP" dirty="0" smtClean="0">
+                <a:latin typeface="+mj-ea"/>
+                <a:ea typeface="+mj-ea"/>
+              </a:rPr>
+              <a:t>PARCO</a:t>
+            </a:r>
+            <a:r>
+              <a:rPr lang="ja-JP" altLang="en-US" dirty="0" smtClean="0">
+                <a:latin typeface="+mj-ea"/>
+                <a:ea typeface="+mj-ea"/>
+              </a:rPr>
+              <a:t>とし</a:t>
+            </a:r>
+            <a:r>
+              <a:rPr lang="ja-JP" altLang="en-US" dirty="0" smtClean="0"/>
+              <a:t>ての問題</a:t>
+            </a:r>
             <a:endParaRPr lang="en-US" altLang="ja-JP" dirty="0"/>
           </a:p>
           <a:p>
-            <a:r>
-              <a:rPr kumimoji="1" lang="ja-JP" altLang="en-US" dirty="0" smtClean="0"/>
+            <a:pPr lvl="1">
+              <a:buFontTx/>
+              <a:buChar char="−"/>
+            </a:pPr>
+            <a:r>
+              <a:rPr kumimoji="1" lang="ja-JP" altLang="en-US" dirty="0" smtClean="0">
+                <a:latin typeface="+mj-ea"/>
+                <a:ea typeface="+mj-ea"/>
+              </a:rPr>
               <a:t>操作性</a:t>
             </a:r>
-            <a:endParaRPr kumimoji="1" lang="en-US" altLang="ja-JP" dirty="0" smtClean="0"/>
-          </a:p>
-          <a:p>
-            <a:r>
-              <a:rPr lang="ja-JP" altLang="en-US" dirty="0" smtClean="0"/>
+            <a:endParaRPr kumimoji="1" lang="en-US" altLang="ja-JP" dirty="0" smtClean="0">
+              <a:latin typeface="+mj-ea"/>
+              <a:ea typeface="+mj-ea"/>
+            </a:endParaRPr>
+          </a:p>
+          <a:p>
+            <a:pPr lvl="1">
+              <a:buFontTx/>
+              <a:buChar char="−"/>
+            </a:pPr>
+            <a:r>
+              <a:rPr lang="ja-JP" altLang="en-US" dirty="0" smtClean="0">
+                <a:latin typeface="+mj-ea"/>
+                <a:ea typeface="+mj-ea"/>
+              </a:rPr>
               <a:t>「豊富な在庫」からの検索・購入</a:t>
             </a:r>
-            <a:endParaRPr kumimoji="1" lang="ja-JP" altLang="en-US" dirty="0"/>
+            <a:endParaRPr kumimoji="1" lang="ja-JP" altLang="en-US" dirty="0">
+              <a:latin typeface="+mj-ea"/>
+              <a:ea typeface="+mj-ea"/>
+            </a:endParaRPr>
           </a:p>
         </p:txBody>
       </p:sp>
@@ -5843,12 +5809,35 @@
       </p:grpSpPr>
       <p:sp>
         <p:nvSpPr>
-          <p:cNvPr id="5" name="タイトル 4"/>
+          <p:cNvPr id="2" name="タイトル 1"/>
           <p:cNvSpPr>
             <a:spLocks noGrp="1"/>
           </p:cNvSpPr>
           <p:nvPr>
             <p:ph type="title"/>
+          </p:nvPr>
+        </p:nvSpPr>
+        <p:spPr/>
+        <p:txBody>
+          <a:bodyPr/>
+          <a:lstStyle/>
+          <a:p>
+            <a:r>
+              <a:rPr kumimoji="1" lang="ja-JP" altLang="en-US" dirty="0" smtClean="0"/>
+              <a:t>目的</a:t>
+            </a:r>
+            <a:endParaRPr kumimoji="1" lang="ja-JP" altLang="en-US" dirty="0"/>
+          </a:p>
+        </p:txBody>
+      </p:sp>
+      <p:sp>
+        <p:nvSpPr>
+          <p:cNvPr id="3" name="コンテンツ プレースホルダー 2"/>
+          <p:cNvSpPr>
+            <a:spLocks noGrp="1"/>
+          </p:cNvSpPr>
+          <p:nvPr>
+            <p:ph idx="1"/>
           </p:nvPr>
         </p:nvSpPr>
         <p:spPr/>
@@ -5858,169 +5847,51 @@
           </a:bodyPr>
           <a:lstStyle/>
           <a:p>
-            <a:r>
-              <a:rPr kumimoji="1" lang="ja-JP" altLang="en-US" sz="4000" dirty="0" smtClean="0"/>
-              <a:t>問題点</a:t>
-            </a:r>
-            <a:endParaRPr kumimoji="1" lang="ja-JP" altLang="en-US" sz="4000" dirty="0"/>
-          </a:p>
-        </p:txBody>
-      </p:sp>
-      <p:sp>
-        <p:nvSpPr>
-          <p:cNvPr id="6" name="コンテンツ プレースホルダー 5"/>
-          <p:cNvSpPr>
-            <a:spLocks noGrp="1"/>
-          </p:cNvSpPr>
-          <p:nvPr>
-            <p:ph sz="half" idx="1"/>
-          </p:nvPr>
-        </p:nvSpPr>
-        <p:spPr/>
-        <p:txBody>
-          <a:bodyPr/>
-          <a:lstStyle/>
-          <a:p>
+            <a:endParaRPr kumimoji="1" lang="en-US" altLang="ja-JP" dirty="0" smtClean="0"/>
+          </a:p>
+          <a:p>
+            <a:r>
+              <a:rPr kumimoji="1" lang="ja-JP" altLang="en-US" dirty="0" smtClean="0"/>
+              <a:t>実際に</a:t>
+            </a:r>
             <a:r>
               <a:rPr kumimoji="1" lang="en-US" altLang="ja-JP" dirty="0" smtClean="0">
-                <a:latin typeface="+mn-ea"/>
+                <a:latin typeface="+mj-ea"/>
+                <a:ea typeface="+mj-ea"/>
               </a:rPr>
               <a:t>VR</a:t>
             </a:r>
             <a:r>
-              <a:rPr kumimoji="1" lang="ja-JP" altLang="en-US" dirty="0" smtClean="0">
-                <a:latin typeface="+mn-ea"/>
-              </a:rPr>
-              <a:t>コンテンツの問題</a:t>
-            </a:r>
-            <a:endParaRPr kumimoji="1" lang="en-US" altLang="ja-JP" dirty="0" smtClean="0">
-              <a:latin typeface="+mn-ea"/>
-            </a:endParaRPr>
-          </a:p>
-          <a:p>
-            <a:pPr lvl="1">
-              <a:buFontTx/>
-              <a:buChar char="−"/>
+              <a:rPr kumimoji="1" lang="ja-JP" altLang="en-US" dirty="0" smtClean="0"/>
+              <a:t>を使ったショッピングサイトを開発</a:t>
+            </a:r>
+            <a:r>
+              <a:rPr lang="ja-JP" altLang="en-US" dirty="0" smtClean="0"/>
+              <a:t>し、</a:t>
+            </a:r>
+            <a:endParaRPr lang="en-US" altLang="ja-JP" dirty="0" smtClean="0"/>
+          </a:p>
+          <a:p>
+            <a:pPr marL="216000" indent="0">
+              <a:buNone/>
             </a:pPr>
             <a:r>
-              <a:rPr lang="en-US" altLang="ja-JP" dirty="0" smtClean="0">
-                <a:latin typeface="+mn-ea"/>
-              </a:rPr>
-              <a:t>VR</a:t>
-            </a:r>
-            <a:r>
-              <a:rPr lang="ja-JP" altLang="en-US" dirty="0" smtClean="0">
-                <a:latin typeface="+mn-ea"/>
-              </a:rPr>
-              <a:t>酔い</a:t>
-            </a:r>
-            <a:endParaRPr lang="en-US" altLang="ja-JP" dirty="0" smtClean="0">
-              <a:latin typeface="+mn-ea"/>
-            </a:endParaRPr>
-          </a:p>
-          <a:p>
-            <a:pPr lvl="1">
-              <a:buFontTx/>
-              <a:buChar char="−"/>
-            </a:pPr>
-            <a:r>
-              <a:rPr kumimoji="1" lang="ja-JP" altLang="en-US" dirty="0" smtClean="0">
-                <a:latin typeface="+mn-ea"/>
-              </a:rPr>
-              <a:t>移動</a:t>
-            </a:r>
-            <a:endParaRPr kumimoji="1" lang="en-US" altLang="ja-JP" dirty="0" smtClean="0">
-              <a:latin typeface="+mn-ea"/>
-            </a:endParaRPr>
-          </a:p>
-          <a:p>
-            <a:pPr lvl="1">
-              <a:buFontTx/>
-              <a:buChar char="−"/>
-            </a:pPr>
-            <a:r>
-              <a:rPr lang="ja-JP" altLang="en-US" dirty="0" smtClean="0">
-                <a:latin typeface="+mn-ea"/>
-              </a:rPr>
-              <a:t>スペース</a:t>
-            </a:r>
-            <a:endParaRPr lang="en-US" altLang="ja-JP" dirty="0" smtClean="0">
-              <a:latin typeface="+mn-ea"/>
-            </a:endParaRPr>
-          </a:p>
-          <a:p>
-            <a:pPr lvl="1">
-              <a:buFontTx/>
-              <a:buChar char="−"/>
-            </a:pPr>
-            <a:r>
-              <a:rPr kumimoji="1" lang="ja-JP" altLang="en-US" dirty="0">
-                <a:latin typeface="+mn-ea"/>
-              </a:rPr>
-              <a:t>スペック</a:t>
-            </a:r>
-          </a:p>
-        </p:txBody>
-      </p:sp>
-      <p:sp>
-        <p:nvSpPr>
-          <p:cNvPr id="7" name="コンテンツ プレースホルダー 6"/>
-          <p:cNvSpPr>
-            <a:spLocks noGrp="1"/>
-          </p:cNvSpPr>
-          <p:nvPr>
-            <p:ph sz="half" idx="2"/>
-          </p:nvPr>
-        </p:nvSpPr>
-        <p:spPr/>
-        <p:txBody>
-          <a:bodyPr/>
-          <a:lstStyle/>
-          <a:p>
-            <a:r>
-              <a:rPr kumimoji="1" lang="en-US" altLang="ja-JP" dirty="0" smtClean="0">
-                <a:latin typeface="+mn-ea"/>
-              </a:rPr>
-              <a:t>VR</a:t>
-            </a:r>
-            <a:r>
-              <a:rPr kumimoji="1" lang="ja-JP" altLang="en-US" dirty="0" smtClean="0">
-                <a:latin typeface="+mn-ea"/>
-              </a:rPr>
-              <a:t> </a:t>
-            </a:r>
-            <a:r>
-              <a:rPr kumimoji="1" lang="en-US" altLang="ja-JP" dirty="0" smtClean="0">
-                <a:latin typeface="+mn-ea"/>
-              </a:rPr>
-              <a:t>PARCO</a:t>
-            </a:r>
-            <a:r>
-              <a:rPr kumimoji="1" lang="ja-JP" altLang="en-US" dirty="0" smtClean="0"/>
-              <a:t>の問題</a:t>
-            </a:r>
-            <a:endParaRPr kumimoji="1" lang="en-US" altLang="ja-JP" dirty="0" smtClean="0"/>
-          </a:p>
-          <a:p>
-            <a:pPr lvl="1">
-              <a:buFont typeface="Calibri" panose="020F0502020204030204" pitchFamily="34" charset="0"/>
-              <a:buChar char="−"/>
-            </a:pPr>
+              <a:rPr kumimoji="1" lang="ja-JP" altLang="en-US" dirty="0" smtClean="0"/>
+              <a:t>問題点・今後の課題・将来性などの調査</a:t>
+            </a:r>
+            <a:endParaRPr kumimoji="1" lang="en-US" altLang="ja-JP" dirty="0" smtClean="0"/>
+          </a:p>
+          <a:p>
+            <a:endParaRPr kumimoji="1" lang="en-US" altLang="ja-JP" sz="2400" dirty="0" smtClean="0"/>
+          </a:p>
+          <a:p>
             <a:r>
               <a:rPr lang="ja-JP" altLang="en-US" dirty="0" smtClean="0"/>
-              <a:t>操作性</a:t>
-            </a:r>
-            <a:endParaRPr lang="en-US" altLang="ja-JP" dirty="0" smtClean="0"/>
-          </a:p>
-          <a:p>
-            <a:pPr lvl="1">
-              <a:buFont typeface="Calibri" panose="020F0502020204030204" pitchFamily="34" charset="0"/>
-              <a:buChar char="−"/>
-            </a:pPr>
-            <a:r>
-              <a:rPr kumimoji="1" lang="ja-JP" altLang="en-US" dirty="0" smtClean="0"/>
-              <a:t>「豊富な在庫」からの検索・購入</a:t>
-            </a:r>
+              <a:t>見つかった問題点・課題に対する解決策を探す</a:t>
+            </a:r>
+            <a:endParaRPr kumimoji="1" lang="en-US" altLang="ja-JP" dirty="0" smtClean="0"/>
+          </a:p>
+          <a:p>
             <a:endParaRPr kumimoji="1" lang="ja-JP" altLang="en-US" dirty="0"/>
           </a:p>
         </p:txBody>
@@ -6052,7 +5923,7 @@
     </p:spTree>
     <p:extLst>
       <p:ext uri="{BB962C8B-B14F-4D97-AF65-F5344CB8AC3E}">
-        <p14:creationId xmlns:p14="http://schemas.microsoft.com/office/powerpoint/2010/main" val="2917784911"/>
+        <p14:creationId xmlns:p14="http://schemas.microsoft.com/office/powerpoint/2010/main" val="4091149684"/>
       </p:ext>
     </p:extLst>
   </p:cSld>
@@ -6103,7 +5974,7 @@
           <a:p>
             <a:r>
               <a:rPr kumimoji="1" lang="ja-JP" altLang="en-US" dirty="0" smtClean="0"/>
-              <a:t>目的</a:t>
+              <a:t>今後の予定</a:t>
             </a:r>
             <a:endParaRPr kumimoji="1" lang="ja-JP" altLang="en-US" dirty="0"/>
           </a:p>
@@ -6121,21 +5992,12 @@
         </p:nvSpPr>
         <p:spPr/>
         <p:txBody>
-          <a:bodyPr>
-            <a:normAutofit/>
-          </a:bodyPr>
-          <a:lstStyle/>
-          <a:p>
-            <a:endParaRPr kumimoji="1" lang="en-US" altLang="ja-JP" dirty="0" smtClean="0"/>
-          </a:p>
-          <a:p>
-            <a:r>
-              <a:rPr kumimoji="1" lang="ja-JP" altLang="en-US" dirty="0" smtClean="0"/>
-              <a:t>実際</a:t>
-            </a:r>
-            <a:r>
-              <a:rPr kumimoji="1" lang="ja-JP" altLang="en-US" dirty="0" smtClean="0"/>
-              <a:t>に</a:t>
+          <a:bodyPr/>
+          <a:lstStyle/>
+          <a:p>
+            <a:r>
+              <a:rPr kumimoji="1" lang="ja-JP" altLang="en-US" dirty="0" smtClean="0"/>
+              <a:t>既存の</a:t>
             </a:r>
             <a:r>
               <a:rPr kumimoji="1" lang="en-US" altLang="ja-JP" dirty="0" smtClean="0">
@@ -6146,35 +6008,31 @@
             </a:r>
             <a:r>
               <a:rPr kumimoji="1" lang="ja-JP" altLang="en-US" dirty="0" smtClean="0"/>
-              <a:t>を使ったショッピングサイトを開発</a:t>
-            </a:r>
-            <a:r>
-              <a:rPr lang="ja-JP" altLang="en-US" dirty="0" smtClean="0"/>
-              <a:t>し、</a:t>
-            </a:r>
-            <a:endParaRPr lang="en-US" altLang="ja-JP" dirty="0" smtClean="0"/>
-          </a:p>
-          <a:p>
-            <a:pPr marL="216000" indent="0">
+              <a:t>を使ったショッピングサイトの調査</a:t>
+            </a:r>
+            <a:endParaRPr kumimoji="1" lang="en-US" altLang="ja-JP" dirty="0" smtClean="0"/>
+          </a:p>
+          <a:p>
+            <a:pPr marL="0" indent="0">
               <a:buNone/>
             </a:pPr>
-            <a:r>
-              <a:rPr kumimoji="1" lang="ja-JP" altLang="en-US" dirty="0" smtClean="0"/>
-              <a:t>問題点・今後の課題・将来性などの調査</a:t>
-            </a:r>
-            <a:endParaRPr kumimoji="1" lang="en-US" altLang="ja-JP" dirty="0" smtClean="0"/>
-          </a:p>
-          <a:p>
-            <a:endParaRPr kumimoji="1" lang="en-US" altLang="ja-JP" sz="2400" dirty="0" smtClean="0"/>
-          </a:p>
-          <a:p>
-            <a:r>
-              <a:rPr lang="ja-JP" altLang="en-US" dirty="0" smtClean="0"/>
-              <a:t>見つかった問題点・課題に対する解決策を探す</a:t>
-            </a:r>
-            <a:endParaRPr kumimoji="1" lang="en-US" altLang="ja-JP" dirty="0" smtClean="0"/>
-          </a:p>
-          <a:p>
+            <a:endParaRPr lang="en-US" altLang="ja-JP" dirty="0"/>
+          </a:p>
+          <a:p>
+            <a:r>
+              <a:rPr kumimoji="1" lang="ja-JP" altLang="en-US" dirty="0" smtClean="0"/>
+              <a:t>オープンキャンパスで展示</a:t>
+            </a:r>
+            <a:endParaRPr kumimoji="1" lang="en-US" altLang="ja-JP" dirty="0" smtClean="0"/>
+          </a:p>
+          <a:p>
+            <a:endParaRPr lang="en-US" altLang="ja-JP" dirty="0"/>
+          </a:p>
+          <a:p>
+            <a:r>
+              <a:rPr kumimoji="1" lang="ja-JP" altLang="en-US" dirty="0" smtClean="0"/>
+              <a:t>ショッピングサイト開発の継続</a:t>
+            </a:r>
             <a:endParaRPr kumimoji="1" lang="ja-JP" altLang="en-US" dirty="0"/>
           </a:p>
         </p:txBody>
@@ -6198,406 +6056,6 @@
               <a:rPr lang="ja-JP" altLang="en-US" smtClean="0"/>
               <a:pPr/>
               <a:t>7</a:t>
-            </a:fld>
-            <a:endParaRPr lang="ja-JP" altLang="en-US" dirty="0"/>
-          </a:p>
-        </p:txBody>
-      </p:sp>
-    </p:spTree>
-    <p:extLst>
-      <p:ext uri="{BB962C8B-B14F-4D97-AF65-F5344CB8AC3E}">
-        <p14:creationId xmlns:p14="http://schemas.microsoft.com/office/powerpoint/2010/main" val="4091149684"/>
-      </p:ext>
-    </p:extLst>
-  </p:cSld>
-  <p:clrMapOvr>
-    <a:masterClrMapping/>
-  </p:clrMapOvr>
-  <p:timing>
-    <p:tnLst>
-      <p:par>
-        <p:cTn id="1" dur="indefinite" restart="never" nodeType="tmRoot"/>
-      </p:par>
-    </p:tnLst>
-  </p:timing>
-</p:sld>
-</file>
-
-<file path=ppt/slides/slide8.xml><?xml version="1.0" encoding="utf-8"?>
-<p:sld xmlns:a="http://schemas.openxmlformats.org/drawingml/2006/main" xmlns:r="http://schemas.openxmlformats.org/officeDocument/2006/relationships" xmlns:p="http://schemas.openxmlformats.org/presentationml/2006/main">
-  <p:cSld>
-    <p:spTree>
-      <p:nvGrpSpPr>
-        <p:cNvPr id="1" name=""/>
-        <p:cNvGrpSpPr/>
-        <p:nvPr/>
-      </p:nvGrpSpPr>
-      <p:grpSpPr>
-        <a:xfrm>
-          <a:off x="0" y="0"/>
-          <a:ext cx="0" cy="0"/>
-          <a:chOff x="0" y="0"/>
-          <a:chExt cx="0" cy="0"/>
-        </a:xfrm>
-      </p:grpSpPr>
-      <p:sp>
-        <p:nvSpPr>
-          <p:cNvPr id="2" name="タイトル 1"/>
-          <p:cNvSpPr>
-            <a:spLocks noGrp="1"/>
-          </p:cNvSpPr>
-          <p:nvPr>
-            <p:ph type="title"/>
-          </p:nvPr>
-        </p:nvSpPr>
-        <p:spPr/>
-        <p:txBody>
-          <a:bodyPr/>
-          <a:lstStyle/>
-          <a:p>
-            <a:r>
-              <a:rPr kumimoji="1" lang="ja-JP" altLang="en-US" dirty="0" smtClean="0"/>
-              <a:t>開発環境</a:t>
-            </a:r>
-            <a:endParaRPr kumimoji="1" lang="ja-JP" altLang="en-US" dirty="0"/>
-          </a:p>
-        </p:txBody>
-      </p:sp>
-      <p:sp>
-        <p:nvSpPr>
-          <p:cNvPr id="3" name="コンテンツ プレースホルダー 2"/>
-          <p:cNvSpPr>
-            <a:spLocks noGrp="1"/>
-          </p:cNvSpPr>
-          <p:nvPr>
-            <p:ph idx="1"/>
-          </p:nvPr>
-        </p:nvSpPr>
-        <p:spPr/>
-        <p:txBody>
-          <a:bodyPr>
-            <a:normAutofit/>
-          </a:bodyPr>
-          <a:lstStyle/>
-          <a:p>
-            <a:r>
-              <a:rPr kumimoji="1" lang="en-US" altLang="ja-JP" dirty="0" smtClean="0">
-                <a:latin typeface="+mj-ea"/>
-                <a:ea typeface="+mj-ea"/>
-              </a:rPr>
-              <a:t>Oculus</a:t>
-            </a:r>
-            <a:r>
-              <a:rPr kumimoji="1" lang="ja-JP" altLang="en-US" dirty="0" smtClean="0">
-                <a:latin typeface="+mj-ea"/>
-                <a:ea typeface="+mj-ea"/>
-              </a:rPr>
-              <a:t> </a:t>
-            </a:r>
-            <a:r>
-              <a:rPr kumimoji="1" lang="en-US" altLang="ja-JP" dirty="0" smtClean="0">
-                <a:latin typeface="+mj-ea"/>
-                <a:ea typeface="+mj-ea"/>
-              </a:rPr>
-              <a:t>Rift</a:t>
-            </a:r>
-            <a:r>
-              <a:rPr kumimoji="1" lang="ja-JP" altLang="en-US" dirty="0" smtClean="0">
-                <a:latin typeface="+mj-ea"/>
-                <a:ea typeface="+mj-ea"/>
-              </a:rPr>
-              <a:t> </a:t>
-            </a:r>
-            <a:r>
-              <a:rPr kumimoji="1" lang="en-US" altLang="ja-JP" dirty="0" smtClean="0">
-                <a:latin typeface="+mj-ea"/>
-                <a:ea typeface="+mj-ea"/>
-              </a:rPr>
-              <a:t>CV1</a:t>
-            </a:r>
-            <a:r>
-              <a:rPr kumimoji="1" lang="ja-JP" altLang="en-US" dirty="0" smtClean="0">
-                <a:latin typeface="+mj-ea"/>
-                <a:ea typeface="+mj-ea"/>
-              </a:rPr>
-              <a:t>　</a:t>
-            </a:r>
-            <a:endParaRPr kumimoji="1" lang="en-US" altLang="ja-JP" dirty="0" smtClean="0">
-              <a:latin typeface="+mj-ea"/>
-              <a:ea typeface="+mj-ea"/>
-            </a:endParaRPr>
-          </a:p>
-          <a:p>
-            <a:endParaRPr lang="en-US" altLang="ja-JP" dirty="0">
-              <a:latin typeface="+mj-ea"/>
-              <a:ea typeface="+mj-ea"/>
-            </a:endParaRPr>
-          </a:p>
-          <a:p>
-            <a:r>
-              <a:rPr kumimoji="1" lang="en-US" altLang="ja-JP" dirty="0" smtClean="0">
-                <a:latin typeface="+mj-ea"/>
-                <a:ea typeface="+mj-ea"/>
-              </a:rPr>
-              <a:t>Oculus</a:t>
-            </a:r>
-            <a:r>
-              <a:rPr kumimoji="1" lang="ja-JP" altLang="en-US" dirty="0" smtClean="0">
-                <a:latin typeface="+mj-ea"/>
-                <a:ea typeface="+mj-ea"/>
-              </a:rPr>
-              <a:t> </a:t>
-            </a:r>
-            <a:r>
-              <a:rPr kumimoji="1" lang="en-US" altLang="ja-JP" dirty="0" smtClean="0">
-                <a:latin typeface="+mj-ea"/>
-                <a:ea typeface="+mj-ea"/>
-              </a:rPr>
-              <a:t>Touch</a:t>
-            </a:r>
-          </a:p>
-          <a:p>
-            <a:endParaRPr lang="en-US" altLang="ja-JP" dirty="0">
-              <a:latin typeface="+mj-ea"/>
-              <a:ea typeface="+mj-ea"/>
-            </a:endParaRPr>
-          </a:p>
-          <a:p>
-            <a:r>
-              <a:rPr kumimoji="1" lang="en-US" altLang="ja-JP" dirty="0" smtClean="0">
-                <a:latin typeface="+mj-ea"/>
-                <a:ea typeface="+mj-ea"/>
-              </a:rPr>
-              <a:t>UNREAL</a:t>
-            </a:r>
-            <a:r>
-              <a:rPr kumimoji="1" lang="ja-JP" altLang="en-US" dirty="0" smtClean="0">
-                <a:latin typeface="+mj-ea"/>
-                <a:ea typeface="+mj-ea"/>
-              </a:rPr>
-              <a:t> </a:t>
-            </a:r>
-            <a:r>
-              <a:rPr kumimoji="1" lang="en-US" altLang="ja-JP" dirty="0" smtClean="0">
-                <a:latin typeface="+mj-ea"/>
-                <a:ea typeface="+mj-ea"/>
-              </a:rPr>
-              <a:t>ENGINE</a:t>
-            </a:r>
-            <a:r>
-              <a:rPr lang="ja-JP" altLang="en-US" dirty="0">
-                <a:latin typeface="+mj-ea"/>
-                <a:ea typeface="+mj-ea"/>
-              </a:rPr>
-              <a:t> </a:t>
-            </a:r>
-            <a:r>
-              <a:rPr kumimoji="1" lang="ja-JP" altLang="en-US" dirty="0" smtClean="0">
-                <a:latin typeface="+mj-ea"/>
-                <a:ea typeface="+mj-ea"/>
-              </a:rPr>
-              <a:t>４</a:t>
-            </a:r>
-            <a:endParaRPr kumimoji="1" lang="en-US" altLang="ja-JP" dirty="0" smtClean="0">
-              <a:latin typeface="+mj-ea"/>
-              <a:ea typeface="+mj-ea"/>
-            </a:endParaRPr>
-          </a:p>
-          <a:p>
-            <a:endParaRPr lang="en-US" altLang="ja-JP" dirty="0">
-              <a:latin typeface="+mj-ea"/>
-              <a:ea typeface="+mj-ea"/>
-            </a:endParaRPr>
-          </a:p>
-          <a:p>
-            <a:r>
-              <a:rPr kumimoji="1" lang="en-US" altLang="ja-JP" dirty="0" smtClean="0">
-                <a:latin typeface="+mj-ea"/>
-                <a:ea typeface="+mj-ea"/>
-              </a:rPr>
-              <a:t>Visual</a:t>
-            </a:r>
-            <a:r>
-              <a:rPr kumimoji="1" lang="ja-JP" altLang="en-US" dirty="0" smtClean="0">
-                <a:latin typeface="+mj-ea"/>
-                <a:ea typeface="+mj-ea"/>
-              </a:rPr>
-              <a:t> </a:t>
-            </a:r>
-            <a:r>
-              <a:rPr kumimoji="1" lang="en-US" altLang="ja-JP" dirty="0" smtClean="0">
-                <a:latin typeface="+mj-ea"/>
-                <a:ea typeface="+mj-ea"/>
-              </a:rPr>
-              <a:t>Studio</a:t>
-            </a:r>
-            <a:endParaRPr kumimoji="1" lang="ja-JP" altLang="en-US" dirty="0">
-              <a:latin typeface="+mj-ea"/>
-              <a:ea typeface="+mj-ea"/>
-            </a:endParaRPr>
-          </a:p>
-        </p:txBody>
-      </p:sp>
-      <p:sp>
-        <p:nvSpPr>
-          <p:cNvPr id="4" name="スライド番号プレースホルダー 3"/>
-          <p:cNvSpPr>
-            <a:spLocks noGrp="1"/>
-          </p:cNvSpPr>
-          <p:nvPr>
-            <p:ph type="sldNum" sz="quarter" idx="12"/>
-          </p:nvPr>
-        </p:nvSpPr>
-        <p:spPr/>
-        <p:txBody>
-          <a:bodyPr/>
-          <a:lstStyle/>
-          <a:p>
-            <a:fld id="{E3029707-8757-4610-92E9-02704EFB7568}" type="slidenum">
-              <a:rPr lang="ja-JP" altLang="en-US" smtClean="0"/>
-              <a:pPr/>
-              <a:t>8</a:t>
-            </a:fld>
-            <a:endParaRPr lang="ja-JP" altLang="en-US" dirty="0"/>
-          </a:p>
-        </p:txBody>
-      </p:sp>
-    </p:spTree>
-    <p:extLst>
-      <p:ext uri="{BB962C8B-B14F-4D97-AF65-F5344CB8AC3E}">
-        <p14:creationId xmlns:p14="http://schemas.microsoft.com/office/powerpoint/2010/main" val="3221152782"/>
-      </p:ext>
-    </p:extLst>
-  </p:cSld>
-  <p:clrMapOvr>
-    <a:masterClrMapping/>
-  </p:clrMapOvr>
-  <p:timing>
-    <p:tnLst>
-      <p:par>
-        <p:cTn id="1" dur="indefinite" restart="never" nodeType="tmRoot"/>
-      </p:par>
-    </p:tnLst>
-  </p:timing>
-</p:sld>
-</file>
-
-<file path=ppt/slides/slide9.xml><?xml version="1.0" encoding="utf-8"?>
-<p:sld xmlns:a="http://schemas.openxmlformats.org/drawingml/2006/main" xmlns:r="http://schemas.openxmlformats.org/officeDocument/2006/relationships" xmlns:p="http://schemas.openxmlformats.org/presentationml/2006/main">
-  <p:cSld>
-    <p:spTree>
-      <p:nvGrpSpPr>
-        <p:cNvPr id="1" name=""/>
-        <p:cNvGrpSpPr/>
-        <p:nvPr/>
-      </p:nvGrpSpPr>
-      <p:grpSpPr>
-        <a:xfrm>
-          <a:off x="0" y="0"/>
-          <a:ext cx="0" cy="0"/>
-          <a:chOff x="0" y="0"/>
-          <a:chExt cx="0" cy="0"/>
-        </a:xfrm>
-      </p:grpSpPr>
-      <p:sp>
-        <p:nvSpPr>
-          <p:cNvPr id="2" name="タイトル 1"/>
-          <p:cNvSpPr>
-            <a:spLocks noGrp="1"/>
-          </p:cNvSpPr>
-          <p:nvPr>
-            <p:ph type="title"/>
-          </p:nvPr>
-        </p:nvSpPr>
-        <p:spPr/>
-        <p:txBody>
-          <a:bodyPr/>
-          <a:lstStyle/>
-          <a:p>
-            <a:r>
-              <a:rPr kumimoji="1" lang="ja-JP" altLang="en-US" dirty="0" smtClean="0"/>
-              <a:t>今後の予定</a:t>
-            </a:r>
-            <a:endParaRPr kumimoji="1" lang="ja-JP" altLang="en-US" dirty="0"/>
-          </a:p>
-        </p:txBody>
-      </p:sp>
-      <p:sp>
-        <p:nvSpPr>
-          <p:cNvPr id="3" name="コンテンツ プレースホルダー 2"/>
-          <p:cNvSpPr>
-            <a:spLocks noGrp="1"/>
-          </p:cNvSpPr>
-          <p:nvPr>
-            <p:ph idx="1"/>
-          </p:nvPr>
-        </p:nvSpPr>
-        <p:spPr/>
-        <p:txBody>
-          <a:bodyPr/>
-          <a:lstStyle/>
-          <a:p>
-            <a:r>
-              <a:rPr kumimoji="1" lang="ja-JP" altLang="en-US" dirty="0" smtClean="0"/>
-              <a:t>既存の</a:t>
-            </a:r>
-            <a:r>
-              <a:rPr kumimoji="1" lang="en-US" altLang="ja-JP" dirty="0" smtClean="0">
-                <a:latin typeface="+mj-ea"/>
-                <a:ea typeface="+mj-ea"/>
-              </a:rPr>
-              <a:t>VR</a:t>
-            </a:r>
-            <a:r>
-              <a:rPr kumimoji="1" lang="ja-JP" altLang="en-US" dirty="0" smtClean="0"/>
-              <a:t>を使ったショッピングサイトの調査</a:t>
-            </a:r>
-            <a:endParaRPr kumimoji="1" lang="en-US" altLang="ja-JP" dirty="0" smtClean="0"/>
-          </a:p>
-          <a:p>
-            <a:pPr marL="0" indent="0">
-              <a:buNone/>
-            </a:pPr>
-            <a:endParaRPr lang="en-US" altLang="ja-JP" dirty="0"/>
-          </a:p>
-          <a:p>
-            <a:r>
-              <a:rPr kumimoji="1" lang="ja-JP" altLang="en-US" dirty="0" smtClean="0"/>
-              <a:t>オープンキャンパスで展示</a:t>
-            </a:r>
-            <a:endParaRPr kumimoji="1" lang="en-US" altLang="ja-JP" dirty="0" smtClean="0"/>
-          </a:p>
-          <a:p>
-            <a:endParaRPr lang="en-US" altLang="ja-JP" dirty="0"/>
-          </a:p>
-          <a:p>
-            <a:r>
-              <a:rPr kumimoji="1" lang="ja-JP" altLang="en-US" dirty="0" smtClean="0"/>
-              <a:t>ショッピングサイト開発の継続</a:t>
-            </a:r>
-            <a:endParaRPr kumimoji="1" lang="ja-JP" altLang="en-US" dirty="0"/>
-          </a:p>
-        </p:txBody>
-      </p:sp>
-      <p:sp>
-        <p:nvSpPr>
-          <p:cNvPr id="4" name="スライド番号プレースホルダー 3"/>
-          <p:cNvSpPr>
-            <a:spLocks noGrp="1"/>
-          </p:cNvSpPr>
-          <p:nvPr>
-            <p:ph type="sldNum" sz="quarter" idx="12"/>
-          </p:nvPr>
-        </p:nvSpPr>
-        <p:spPr/>
-        <p:txBody>
-          <a:bodyPr/>
-          <a:lstStyle/>
-          <a:p>
-            <a:fld id="{E3029707-8757-4610-92E9-02704EFB7568}" type="slidenum">
-              <a:rPr lang="ja-JP" altLang="en-US" smtClean="0"/>
-              <a:pPr/>
-              <a:t>9</a:t>
             </a:fld>
             <a:endParaRPr lang="ja-JP" altLang="en-US" dirty="0"/>
           </a:p>

--- a/スライド/20170720_中間発表.pptx
+++ b/スライド/20170720_中間発表.pptx
@@ -5,7 +5,7 @@
     <p:sldMasterId id="2147483648" r:id="rId1"/>
   </p:sldMasterIdLst>
   <p:notesMasterIdLst>
-    <p:notesMasterId r:id="rId9"/>
+    <p:notesMasterId r:id="rId10"/>
   </p:notesMasterIdLst>
   <p:sldIdLst>
     <p:sldId id="256" r:id="rId2"/>
@@ -15,6 +15,7 @@
     <p:sldId id="268" r:id="rId6"/>
     <p:sldId id="265" r:id="rId7"/>
     <p:sldId id="270" r:id="rId8"/>
+    <p:sldId id="271" r:id="rId9"/>
   </p:sldIdLst>
   <p:sldSz cx="12192000" cy="6858000"/>
   <p:notesSz cx="6858000" cy="9144000"/>
@@ -6065,6 +6066,95 @@
     <p:extLst>
       <p:ext uri="{BB962C8B-B14F-4D97-AF65-F5344CB8AC3E}">
         <p14:creationId xmlns:p14="http://schemas.microsoft.com/office/powerpoint/2010/main" val="3487202428"/>
+      </p:ext>
+    </p:extLst>
+  </p:cSld>
+  <p:clrMapOvr>
+    <a:masterClrMapping/>
+  </p:clrMapOvr>
+  <p:timing>
+    <p:tnLst>
+      <p:par>
+        <p:cTn id="1" dur="indefinite" restart="never" nodeType="tmRoot"/>
+      </p:par>
+    </p:tnLst>
+  </p:timing>
+</p:sld>
+</file>
+
+<file path=ppt/slides/slide8.xml><?xml version="1.0" encoding="utf-8"?>
+<p:sld xmlns:a="http://schemas.openxmlformats.org/drawingml/2006/main" xmlns:r="http://schemas.openxmlformats.org/officeDocument/2006/relationships" xmlns:p="http://schemas.openxmlformats.org/presentationml/2006/main">
+  <p:cSld>
+    <p:spTree>
+      <p:nvGrpSpPr>
+        <p:cNvPr id="1" name=""/>
+        <p:cNvGrpSpPr/>
+        <p:nvPr/>
+      </p:nvGrpSpPr>
+      <p:grpSpPr>
+        <a:xfrm>
+          <a:off x="0" y="0"/>
+          <a:ext cx="0" cy="0"/>
+          <a:chOff x="0" y="0"/>
+          <a:chExt cx="0" cy="0"/>
+        </a:xfrm>
+      </p:grpSpPr>
+      <p:sp>
+        <p:nvSpPr>
+          <p:cNvPr id="5" name="タイトル 4"/>
+          <p:cNvSpPr>
+            <a:spLocks noGrp="1"/>
+          </p:cNvSpPr>
+          <p:nvPr>
+            <p:ph type="ctrTitle"/>
+          </p:nvPr>
+        </p:nvSpPr>
+        <p:spPr>
+          <a:xfrm>
+            <a:off x="1524000" y="1509233"/>
+            <a:ext cx="9144000" cy="2387600"/>
+          </a:xfrm>
+        </p:spPr>
+        <p:txBody>
+          <a:bodyPr/>
+          <a:lstStyle/>
+          <a:p>
+            <a:r>
+              <a:rPr kumimoji="1" lang="ja-JP" altLang="en-US" sz="5400" dirty="0" smtClean="0"/>
+              <a:t>以上</a:t>
+            </a:r>
+            <a:endParaRPr kumimoji="1" lang="ja-JP" altLang="en-US" dirty="0"/>
+          </a:p>
+        </p:txBody>
+      </p:sp>
+      <p:sp>
+        <p:nvSpPr>
+          <p:cNvPr id="4" name="スライド番号プレースホルダー 3"/>
+          <p:cNvSpPr>
+            <a:spLocks noGrp="1"/>
+          </p:cNvSpPr>
+          <p:nvPr>
+            <p:ph type="sldNum" sz="quarter" idx="12"/>
+          </p:nvPr>
+        </p:nvSpPr>
+        <p:spPr/>
+        <p:txBody>
+          <a:bodyPr/>
+          <a:lstStyle/>
+          <a:p>
+            <a:fld id="{E3029707-8757-4610-92E9-02704EFB7568}" type="slidenum">
+              <a:rPr lang="ja-JP" altLang="en-US" smtClean="0"/>
+              <a:pPr/>
+              <a:t>8</a:t>
+            </a:fld>
+            <a:endParaRPr lang="ja-JP" altLang="en-US" dirty="0"/>
+          </a:p>
+        </p:txBody>
+      </p:sp>
+    </p:spTree>
+    <p:extLst>
+      <p:ext uri="{BB962C8B-B14F-4D97-AF65-F5344CB8AC3E}">
+        <p14:creationId xmlns:p14="http://schemas.microsoft.com/office/powerpoint/2010/main" val="663722618"/>
       </p:ext>
     </p:extLst>
   </p:cSld>

--- a/スライド/20170720_中間発表.pptx
+++ b/スライド/20170720_中間発表.pptx
@@ -2352,6 +2352,36 @@
               <a:t>‹#›</a:t>
             </a:fld>
             <a:endParaRPr lang="ja-JP" altLang="en-US" dirty="0"/>
+          </a:p>
+        </p:txBody>
+      </p:sp>
+      <p:sp>
+        <p:nvSpPr>
+          <p:cNvPr id="7" name="テキスト ボックス 6"/>
+          <p:cNvSpPr txBox="1"/>
+          <p:nvPr userDrawn="1"/>
+        </p:nvSpPr>
+        <p:spPr>
+          <a:xfrm>
+            <a:off x="254000" y="254000"/>
+            <a:ext cx="1041400" cy="461665"/>
+          </a:xfrm>
+          <a:prstGeom prst="rect">
+            <a:avLst/>
+          </a:prstGeom>
+          <a:noFill/>
+        </p:spPr>
+        <p:txBody>
+          <a:bodyPr wrap="square" rtlCol="0">
+            <a:spAutoFit/>
+          </a:bodyPr>
+          <a:lstStyle/>
+          <a:p>
+            <a:r>
+              <a:rPr kumimoji="1" lang="en-US" altLang="ja-JP" sz="2400" dirty="0" smtClean="0"/>
+              <a:t>G-4</a:t>
+            </a:r>
+            <a:endParaRPr kumimoji="1" lang="en-US" altLang="ja-JP" dirty="0" smtClean="0"/>
           </a:p>
         </p:txBody>
       </p:sp>
@@ -4826,6 +4856,36 @@
           </a:p>
         </p:txBody>
       </p:sp>
+      <p:sp>
+        <p:nvSpPr>
+          <p:cNvPr id="5" name="テキスト ボックス 4"/>
+          <p:cNvSpPr txBox="1"/>
+          <p:nvPr/>
+        </p:nvSpPr>
+        <p:spPr>
+          <a:xfrm>
+            <a:off x="254000" y="254000"/>
+            <a:ext cx="1041400" cy="461665"/>
+          </a:xfrm>
+          <a:prstGeom prst="rect">
+            <a:avLst/>
+          </a:prstGeom>
+          <a:noFill/>
+        </p:spPr>
+        <p:txBody>
+          <a:bodyPr wrap="square" rtlCol="0">
+            <a:spAutoFit/>
+          </a:bodyPr>
+          <a:lstStyle/>
+          <a:p>
+            <a:r>
+              <a:rPr kumimoji="1" lang="en-US" altLang="ja-JP" sz="2400" dirty="0" smtClean="0"/>
+              <a:t>G-4</a:t>
+            </a:r>
+            <a:endParaRPr kumimoji="1" lang="en-US" altLang="ja-JP" dirty="0" smtClean="0"/>
+          </a:p>
+        </p:txBody>
+      </p:sp>
     </p:spTree>
     <p:extLst>
       <p:ext uri="{BB962C8B-B14F-4D97-AF65-F5344CB8AC3E}">
@@ -6148,6 +6208,36 @@
               <a:t>8</a:t>
             </a:fld>
             <a:endParaRPr lang="ja-JP" altLang="en-US" dirty="0"/>
+          </a:p>
+        </p:txBody>
+      </p:sp>
+      <p:sp>
+        <p:nvSpPr>
+          <p:cNvPr id="6" name="テキスト ボックス 5"/>
+          <p:cNvSpPr txBox="1"/>
+          <p:nvPr/>
+        </p:nvSpPr>
+        <p:spPr>
+          <a:xfrm>
+            <a:off x="254000" y="254000"/>
+            <a:ext cx="1041400" cy="461665"/>
+          </a:xfrm>
+          <a:prstGeom prst="rect">
+            <a:avLst/>
+          </a:prstGeom>
+          <a:noFill/>
+        </p:spPr>
+        <p:txBody>
+          <a:bodyPr wrap="square" rtlCol="0">
+            <a:spAutoFit/>
+          </a:bodyPr>
+          <a:lstStyle/>
+          <a:p>
+            <a:r>
+              <a:rPr kumimoji="1" lang="en-US" altLang="ja-JP" sz="2400" dirty="0" smtClean="0"/>
+              <a:t>G-4</a:t>
+            </a:r>
+            <a:endParaRPr kumimoji="1" lang="en-US" altLang="ja-JP" dirty="0" smtClean="0"/>
           </a:p>
         </p:txBody>
       </p:sp>

--- a/スライド/20170720_中間発表.pptx
+++ b/スライド/20170720_中間発表.pptx
@@ -204,7 +204,7 @@
           <a:p>
             <a:fld id="{2AB0F3B0-C918-4BD8-9B0E-9EF45F862D8F}" type="datetimeFigureOut">
               <a:rPr kumimoji="1" lang="ja-JP" altLang="en-US" smtClean="0"/>
-              <a:t>2017/7/28</a:t>
+              <a:t>2017/7/30</a:t>
             </a:fld>
             <a:endParaRPr kumimoji="1" lang="ja-JP" altLang="en-US"/>
           </a:p>
@@ -1657,7 +1657,7 @@
           <a:p>
             <a:fld id="{2FFC807F-32EB-4C8B-9E7F-2C847871CBAD}" type="datetime1">
               <a:rPr kumimoji="1" lang="ja-JP" altLang="en-US" smtClean="0"/>
-              <a:t>2017/7/28</a:t>
+              <a:t>2017/7/30</a:t>
             </a:fld>
             <a:endParaRPr kumimoji="1" lang="ja-JP" altLang="en-US"/>
           </a:p>
@@ -1864,7 +1864,7 @@
           <a:p>
             <a:fld id="{942386A2-4E2D-4EED-BD2D-A6400E084FB6}" type="datetime1">
               <a:rPr kumimoji="1" lang="ja-JP" altLang="en-US" smtClean="0"/>
-              <a:t>2017/7/28</a:t>
+              <a:t>2017/7/30</a:t>
             </a:fld>
             <a:endParaRPr kumimoji="1" lang="ja-JP" altLang="en-US"/>
           </a:p>
@@ -2076,7 +2076,7 @@
           <a:p>
             <a:fld id="{66834798-1652-4ADD-BCA3-FAF052D29263}" type="datetime1">
               <a:rPr kumimoji="1" lang="ja-JP" altLang="en-US" smtClean="0"/>
-              <a:t>2017/7/28</a:t>
+              <a:t>2017/7/30</a:t>
             </a:fld>
             <a:endParaRPr kumimoji="1" lang="ja-JP" altLang="en-US"/>
           </a:p>
@@ -2302,7 +2302,7 @@
           <a:p>
             <a:fld id="{2552E5EE-F6E0-4213-B0AE-26278F523F00}" type="datetime1">
               <a:rPr kumimoji="1" lang="ja-JP" altLang="en-US" smtClean="0"/>
-              <a:t>2017/7/28</a:t>
+              <a:t>2017/7/30</a:t>
             </a:fld>
             <a:endParaRPr kumimoji="1" lang="ja-JP" altLang="en-US"/>
           </a:p>
@@ -2583,7 +2583,7 @@
           <a:p>
             <a:fld id="{446B26C8-EA2E-4375-95B7-121F9F3E3456}" type="datetime1">
               <a:rPr kumimoji="1" lang="ja-JP" altLang="en-US" smtClean="0"/>
-              <a:t>2017/7/28</a:t>
+              <a:t>2017/7/30</a:t>
             </a:fld>
             <a:endParaRPr kumimoji="1" lang="ja-JP" altLang="en-US"/>
           </a:p>
@@ -2879,7 +2879,7 @@
           <a:p>
             <a:fld id="{FBDF6C5D-F402-4BD4-AC42-DA8CA699D43B}" type="datetime1">
               <a:rPr kumimoji="1" lang="ja-JP" altLang="en-US" smtClean="0"/>
-              <a:t>2017/7/28</a:t>
+              <a:t>2017/7/30</a:t>
             </a:fld>
             <a:endParaRPr kumimoji="1" lang="ja-JP" altLang="en-US"/>
           </a:p>
@@ -3315,7 +3315,7 @@
           <a:p>
             <a:fld id="{227A858C-44B4-4822-BEAB-5E5E24169D18}" type="datetime1">
               <a:rPr kumimoji="1" lang="ja-JP" altLang="en-US" smtClean="0"/>
-              <a:t>2017/7/28</a:t>
+              <a:t>2017/7/30</a:t>
             </a:fld>
             <a:endParaRPr kumimoji="1" lang="ja-JP" altLang="en-US"/>
           </a:p>
@@ -3433,7 +3433,7 @@
           <a:p>
             <a:fld id="{672F741D-D308-4282-97E7-4E1A72876DD6}" type="datetime1">
               <a:rPr kumimoji="1" lang="ja-JP" altLang="en-US" smtClean="0"/>
-              <a:t>2017/7/28</a:t>
+              <a:t>2017/7/30</a:t>
             </a:fld>
             <a:endParaRPr kumimoji="1" lang="ja-JP" altLang="en-US"/>
           </a:p>
@@ -3528,7 +3528,7 @@
           <a:p>
             <a:fld id="{A7C447B5-D3BD-42D7-82BC-C0BA27811551}" type="datetime1">
               <a:rPr kumimoji="1" lang="ja-JP" altLang="en-US" smtClean="0"/>
-              <a:t>2017/7/28</a:t>
+              <a:t>2017/7/30</a:t>
             </a:fld>
             <a:endParaRPr kumimoji="1" lang="ja-JP" altLang="en-US"/>
           </a:p>
@@ -3837,7 +3837,7 @@
           <a:p>
             <a:fld id="{8A1ACD27-3C07-47B0-966D-BB3E9026DC73}" type="datetime1">
               <a:rPr kumimoji="1" lang="ja-JP" altLang="en-US" smtClean="0"/>
-              <a:t>2017/7/28</a:t>
+              <a:t>2017/7/30</a:t>
             </a:fld>
             <a:endParaRPr kumimoji="1" lang="ja-JP" altLang="en-US"/>
           </a:p>
@@ -4090,7 +4090,7 @@
           <a:p>
             <a:fld id="{7B1AF852-3E19-4E7E-923F-94BF36185D82}" type="datetime1">
               <a:rPr kumimoji="1" lang="ja-JP" altLang="en-US" smtClean="0"/>
-              <a:t>2017/7/28</a:t>
+              <a:t>2017/7/30</a:t>
             </a:fld>
             <a:endParaRPr kumimoji="1" lang="ja-JP" altLang="en-US"/>
           </a:p>
@@ -4335,7 +4335,7 @@
           <a:p>
             <a:fld id="{4C9DA2F8-DBE4-4EAD-AC89-4041B91160A2}" type="datetime1">
               <a:rPr kumimoji="1" lang="ja-JP" altLang="en-US" smtClean="0"/>
-              <a:t>2017/7/28</a:t>
+              <a:t>2017/7/30</a:t>
             </a:fld>
             <a:endParaRPr kumimoji="1" lang="ja-JP" altLang="en-US"/>
           </a:p>
@@ -4963,6 +4963,9 @@
           </a:bodyPr>
           <a:lstStyle/>
           <a:p>
+            <a:endParaRPr kumimoji="1" lang="en-US" altLang="ja-JP" dirty="0" smtClean="0"/>
+          </a:p>
+          <a:p>
             <a:r>
               <a:rPr kumimoji="1" lang="ja-JP" altLang="en-US" dirty="0" smtClean="0"/>
               <a:t>背景</a:t>
@@ -5106,6 +5109,11 @@
             <a:normAutofit/>
           </a:bodyPr>
           <a:lstStyle/>
+          <a:p>
+            <a:endParaRPr kumimoji="1" lang="en-US" altLang="ja-JP" dirty="0" smtClean="0">
+              <a:latin typeface="+mn-ea"/>
+            </a:endParaRPr>
+          </a:p>
           <a:p>
             <a:r>
               <a:rPr kumimoji="1" lang="en-US" altLang="ja-JP" dirty="0" smtClean="0">
@@ -5694,6 +5702,12 @@
           </a:bodyPr>
           <a:lstStyle/>
           <a:p>
+            <a:endParaRPr kumimoji="1" lang="en-US" altLang="ja-JP" dirty="0" smtClean="0">
+              <a:latin typeface="+mj-ea"/>
+              <a:ea typeface="+mj-ea"/>
+            </a:endParaRPr>
+          </a:p>
+          <a:p>
             <a:r>
               <a:rPr kumimoji="1" lang="en-US" altLang="ja-JP" dirty="0" smtClean="0">
                 <a:latin typeface="+mj-ea"/>
@@ -6056,9 +6070,16 @@
           <a:bodyPr/>
           <a:lstStyle/>
           <a:p>
-            <a:r>
-              <a:rPr kumimoji="1" lang="ja-JP" altLang="en-US" dirty="0" smtClean="0"/>
-              <a:t>既存の</a:t>
+            <a:endParaRPr kumimoji="1" lang="en-US" altLang="ja-JP" dirty="0" smtClean="0"/>
+          </a:p>
+          <a:p>
+            <a:r>
+              <a:rPr kumimoji="1" lang="ja-JP" altLang="en-US" dirty="0" smtClean="0"/>
+              <a:t>既存</a:t>
+            </a:r>
+            <a:r>
+              <a:rPr kumimoji="1" lang="ja-JP" altLang="en-US" dirty="0" smtClean="0"/>
+              <a:t>の</a:t>
             </a:r>
             <a:r>
               <a:rPr kumimoji="1" lang="en-US" altLang="ja-JP" dirty="0" smtClean="0">
@@ -6088,13 +6109,6 @@
           </a:p>
           <a:p>
             <a:endParaRPr lang="en-US" altLang="ja-JP" dirty="0"/>
-          </a:p>
-          <a:p>
-            <a:r>
-              <a:rPr kumimoji="1" lang="ja-JP" altLang="en-US" dirty="0" smtClean="0"/>
-              <a:t>ショッピングサイト開発の継続</a:t>
-            </a:r>
-            <a:endParaRPr kumimoji="1" lang="ja-JP" altLang="en-US" dirty="0"/>
           </a:p>
         </p:txBody>
       </p:sp>

--- a/スライド/20170720_中間発表.pptx
+++ b/スライド/20170720_中間発表.pptx
@@ -5,7 +5,7 @@
     <p:sldMasterId id="2147483648" r:id="rId1"/>
   </p:sldMasterIdLst>
   <p:notesMasterIdLst>
-    <p:notesMasterId r:id="rId10"/>
+    <p:notesMasterId r:id="rId11"/>
   </p:notesMasterIdLst>
   <p:sldIdLst>
     <p:sldId id="256" r:id="rId2"/>
@@ -14,8 +14,9 @@
     <p:sldId id="264" r:id="rId5"/>
     <p:sldId id="268" r:id="rId6"/>
     <p:sldId id="265" r:id="rId7"/>
-    <p:sldId id="270" r:id="rId8"/>
-    <p:sldId id="271" r:id="rId9"/>
+    <p:sldId id="272" r:id="rId8"/>
+    <p:sldId id="270" r:id="rId9"/>
+    <p:sldId id="271" r:id="rId10"/>
   </p:sldIdLst>
   <p:sldSz cx="12192000" cy="6858000"/>
   <p:notesSz cx="6858000" cy="9144000"/>
@@ -1507,7 +1508,7 @@
           <a:p>
             <a:fld id="{A8E18179-35A5-492F-B847-985618F55178}" type="slidenum">
               <a:rPr kumimoji="1" lang="ja-JP" altLang="en-US" smtClean="0"/>
-              <a:t>7</a:t>
+              <a:t>8</a:t>
             </a:fld>
             <a:endParaRPr kumimoji="1" lang="ja-JP" altLang="en-US"/>
           </a:p>
@@ -5922,7 +5923,10 @@
           </a:bodyPr>
           <a:lstStyle/>
           <a:p>
-            <a:endParaRPr kumimoji="1" lang="en-US" altLang="ja-JP" dirty="0" smtClean="0"/>
+            <a:endParaRPr kumimoji="1" lang="en-US" altLang="ja-JP" dirty="0" smtClean="0">
+              <a:latin typeface="+mj-ea"/>
+              <a:ea typeface="+mj-ea"/>
+            </a:endParaRPr>
           </a:p>
           <a:p>
             <a:r>
@@ -6049,6 +6053,190 @@
           <a:p>
             <a:r>
               <a:rPr kumimoji="1" lang="ja-JP" altLang="en-US" dirty="0" smtClean="0"/>
+              <a:t>開発環境</a:t>
+            </a:r>
+            <a:endParaRPr kumimoji="1" lang="ja-JP" altLang="en-US" dirty="0"/>
+          </a:p>
+        </p:txBody>
+      </p:sp>
+      <p:sp>
+        <p:nvSpPr>
+          <p:cNvPr id="3" name="コンテンツ プレースホルダー 2"/>
+          <p:cNvSpPr>
+            <a:spLocks noGrp="1"/>
+          </p:cNvSpPr>
+          <p:nvPr>
+            <p:ph idx="1"/>
+          </p:nvPr>
+        </p:nvSpPr>
+        <p:spPr/>
+        <p:txBody>
+          <a:bodyPr/>
+          <a:lstStyle/>
+          <a:p>
+            <a:endParaRPr kumimoji="1" lang="en-US" altLang="ja-JP" dirty="0" smtClean="0">
+              <a:latin typeface="+mn-ea"/>
+            </a:endParaRPr>
+          </a:p>
+          <a:p>
+            <a:r>
+              <a:rPr lang="en-US" altLang="ja-JP" dirty="0" smtClean="0">
+                <a:latin typeface="+mj-ea"/>
+                <a:ea typeface="+mj-ea"/>
+              </a:rPr>
+              <a:t>Oculus</a:t>
+            </a:r>
+            <a:r>
+              <a:rPr lang="ja-JP" altLang="en-US" dirty="0">
+                <a:latin typeface="+mj-ea"/>
+                <a:ea typeface="+mj-ea"/>
+              </a:rPr>
+              <a:t> </a:t>
+            </a:r>
+            <a:r>
+              <a:rPr lang="en-US" altLang="ja-JP" dirty="0" smtClean="0">
+                <a:latin typeface="+mj-ea"/>
+                <a:ea typeface="+mj-ea"/>
+              </a:rPr>
+              <a:t>CV1</a:t>
+            </a:r>
+            <a:r>
+              <a:rPr lang="ja-JP" altLang="en-US" dirty="0">
+                <a:latin typeface="+mj-ea"/>
+                <a:ea typeface="+mj-ea"/>
+              </a:rPr>
+              <a:t> </a:t>
+            </a:r>
+            <a:r>
+              <a:rPr lang="en-US" altLang="ja-JP" dirty="0" smtClean="0">
+                <a:latin typeface="+mj-ea"/>
+                <a:ea typeface="+mj-ea"/>
+              </a:rPr>
+              <a:t>/</a:t>
+            </a:r>
+            <a:r>
+              <a:rPr lang="ja-JP" altLang="en-US" dirty="0" smtClean="0">
+                <a:latin typeface="+mj-ea"/>
+                <a:ea typeface="+mj-ea"/>
+              </a:rPr>
+              <a:t> </a:t>
+            </a:r>
+            <a:r>
+              <a:rPr lang="en-US" altLang="ja-JP" dirty="0" smtClean="0">
+                <a:latin typeface="+mj-ea"/>
+                <a:ea typeface="+mj-ea"/>
+              </a:rPr>
+              <a:t>Touch</a:t>
+            </a:r>
+          </a:p>
+          <a:p>
+            <a:endParaRPr kumimoji="1" lang="en-US" altLang="ja-JP" dirty="0">
+              <a:latin typeface="+mj-ea"/>
+              <a:ea typeface="+mj-ea"/>
+            </a:endParaRPr>
+          </a:p>
+          <a:p>
+            <a:r>
+              <a:rPr lang="en-US" altLang="ja-JP" dirty="0" smtClean="0">
+                <a:latin typeface="+mj-ea"/>
+                <a:ea typeface="+mj-ea"/>
+              </a:rPr>
+              <a:t>UNREAL</a:t>
+            </a:r>
+            <a:r>
+              <a:rPr lang="ja-JP" altLang="en-US" dirty="0" smtClean="0">
+                <a:latin typeface="+mj-ea"/>
+                <a:ea typeface="+mj-ea"/>
+              </a:rPr>
+              <a:t> </a:t>
+            </a:r>
+            <a:r>
+              <a:rPr lang="en-US" altLang="ja-JP" dirty="0" smtClean="0">
+                <a:latin typeface="+mj-ea"/>
+                <a:ea typeface="+mj-ea"/>
+              </a:rPr>
+              <a:t>ENGINE</a:t>
+            </a:r>
+          </a:p>
+          <a:p>
+            <a:endParaRPr kumimoji="1" lang="ja-JP" altLang="en-US" dirty="0">
+              <a:latin typeface="+mj-ea"/>
+              <a:ea typeface="+mj-ea"/>
+            </a:endParaRPr>
+          </a:p>
+        </p:txBody>
+      </p:sp>
+      <p:sp>
+        <p:nvSpPr>
+          <p:cNvPr id="4" name="スライド番号プレースホルダー 3"/>
+          <p:cNvSpPr>
+            <a:spLocks noGrp="1"/>
+          </p:cNvSpPr>
+          <p:nvPr>
+            <p:ph type="sldNum" sz="quarter" idx="12"/>
+          </p:nvPr>
+        </p:nvSpPr>
+        <p:spPr/>
+        <p:txBody>
+          <a:bodyPr/>
+          <a:lstStyle/>
+          <a:p>
+            <a:fld id="{E3029707-8757-4610-92E9-02704EFB7568}" type="slidenum">
+              <a:rPr lang="ja-JP" altLang="en-US" smtClean="0"/>
+              <a:pPr/>
+              <a:t>7</a:t>
+            </a:fld>
+            <a:endParaRPr lang="ja-JP" altLang="en-US" dirty="0"/>
+          </a:p>
+        </p:txBody>
+      </p:sp>
+    </p:spTree>
+    <p:extLst>
+      <p:ext uri="{BB962C8B-B14F-4D97-AF65-F5344CB8AC3E}">
+        <p14:creationId xmlns:p14="http://schemas.microsoft.com/office/powerpoint/2010/main" val="4006598430"/>
+      </p:ext>
+    </p:extLst>
+  </p:cSld>
+  <p:clrMapOvr>
+    <a:masterClrMapping/>
+  </p:clrMapOvr>
+</p:sld>
+</file>
+
+<file path=ppt/slides/slide8.xml><?xml version="1.0" encoding="utf-8"?>
+<p:sld xmlns:a="http://schemas.openxmlformats.org/drawingml/2006/main" xmlns:r="http://schemas.openxmlformats.org/officeDocument/2006/relationships" xmlns:p="http://schemas.openxmlformats.org/presentationml/2006/main">
+  <p:cSld>
+    <p:spTree>
+      <p:nvGrpSpPr>
+        <p:cNvPr id="1" name=""/>
+        <p:cNvGrpSpPr/>
+        <p:nvPr/>
+      </p:nvGrpSpPr>
+      <p:grpSpPr>
+        <a:xfrm>
+          <a:off x="0" y="0"/>
+          <a:ext cx="0" cy="0"/>
+          <a:chOff x="0" y="0"/>
+          <a:chExt cx="0" cy="0"/>
+        </a:xfrm>
+      </p:grpSpPr>
+      <p:sp>
+        <p:nvSpPr>
+          <p:cNvPr id="2" name="タイトル 1"/>
+          <p:cNvSpPr>
+            <a:spLocks noGrp="1"/>
+          </p:cNvSpPr>
+          <p:nvPr>
+            <p:ph type="title"/>
+          </p:nvPr>
+        </p:nvSpPr>
+        <p:spPr/>
+        <p:txBody>
+          <a:bodyPr/>
+          <a:lstStyle/>
+          <a:p>
+            <a:r>
+              <a:rPr kumimoji="1" lang="ja-JP" altLang="en-US" dirty="0" smtClean="0"/>
               <a:t>今後の予定</a:t>
             </a:r>
             <a:endParaRPr kumimoji="1" lang="ja-JP" altLang="en-US" dirty="0"/>
@@ -6075,11 +6263,7 @@
           <a:p>
             <a:r>
               <a:rPr kumimoji="1" lang="ja-JP" altLang="en-US" dirty="0" smtClean="0"/>
-              <a:t>既存</a:t>
-            </a:r>
-            <a:r>
-              <a:rPr kumimoji="1" lang="ja-JP" altLang="en-US" dirty="0" smtClean="0"/>
-              <a:t>の</a:t>
+              <a:t>既存の</a:t>
             </a:r>
             <a:r>
               <a:rPr kumimoji="1" lang="en-US" altLang="ja-JP" dirty="0" smtClean="0">
@@ -6130,7 +6314,7 @@
             <a:fld id="{E3029707-8757-4610-92E9-02704EFB7568}" type="slidenum">
               <a:rPr lang="ja-JP" altLang="en-US" smtClean="0"/>
               <a:pPr/>
-              <a:t>7</a:t>
+              <a:t>8</a:t>
             </a:fld>
             <a:endParaRPr lang="ja-JP" altLang="en-US" dirty="0"/>
           </a:p>
@@ -6156,7 +6340,7 @@
 </p:sld>
 </file>
 
-<file path=ppt/slides/slide8.xml><?xml version="1.0" encoding="utf-8"?>
+<file path=ppt/slides/slide9.xml><?xml version="1.0" encoding="utf-8"?>
 <p:sld xmlns:a="http://schemas.openxmlformats.org/drawingml/2006/main" xmlns:r="http://schemas.openxmlformats.org/officeDocument/2006/relationships" xmlns:p="http://schemas.openxmlformats.org/presentationml/2006/main">
   <p:cSld>
     <p:spTree>
@@ -6219,7 +6403,7 @@
             <a:fld id="{E3029707-8757-4610-92E9-02704EFB7568}" type="slidenum">
               <a:rPr lang="ja-JP" altLang="en-US" smtClean="0"/>
               <a:pPr/>
-              <a:t>8</a:t>
+              <a:t>9</a:t>
             </a:fld>
             <a:endParaRPr lang="ja-JP" altLang="en-US" dirty="0"/>
           </a:p>
